--- a/daimyo_svd/fig.pptx
+++ b/daimyo_svd/fig.pptx
@@ -732,7 +732,7 @@
           <a:p>
             <a:r>
               <a:rPr kumimoji="1" lang="en-US" altLang="ja-JP" sz="2800" dirty="0"/>
-              <a:t>n</a:t>
+              <a:t>r</a:t>
             </a:r>
             <a:endParaRPr kumimoji="1" lang="ja-JP" altLang="en-US" sz="2800" dirty="0"/>
           </a:p>
@@ -882,7 +882,7 @@
           <a:p>
             <a:r>
               <a:rPr kumimoji="1" lang="en-US" altLang="ja-JP" sz="6600" dirty="0"/>
-              <a:t>C = AB</a:t>
+              <a:t>X = AB</a:t>
             </a:r>
             <a:endParaRPr kumimoji="1" lang="ja-JP" altLang="en-US" sz="6600" dirty="0"/>
           </a:p>
@@ -1119,8 +1119,8 @@
         </p:nvSpPr>
         <p:spPr>
           <a:xfrm>
-            <a:off x="2411760" y="1988839"/>
-            <a:ext cx="720080" cy="3608401"/>
+            <a:off x="1907704" y="1988840"/>
+            <a:ext cx="720080" cy="2456273"/>
           </a:xfrm>
           <a:prstGeom prst="rect">
             <a:avLst/>
@@ -1182,8 +1182,8 @@
         </p:nvSpPr>
         <p:spPr>
           <a:xfrm>
-            <a:off x="3131840" y="1268759"/>
-            <a:ext cx="3600400" cy="720080"/>
+            <a:off x="2627784" y="1340768"/>
+            <a:ext cx="4536504" cy="648072"/>
           </a:xfrm>
           <a:prstGeom prst="rect">
             <a:avLst/>
@@ -1245,8 +1245,8 @@
         </p:nvSpPr>
         <p:spPr>
           <a:xfrm>
-            <a:off x="3131840" y="1988840"/>
-            <a:ext cx="3600400" cy="3608400"/>
+            <a:off x="2627784" y="1988840"/>
+            <a:ext cx="4536504" cy="2456272"/>
           </a:xfrm>
           <a:prstGeom prst="rect">
             <a:avLst/>
@@ -1290,7 +1290,7 @@
                   <a:schemeClr val="tx1"/>
                 </a:solidFill>
               </a:rPr>
-              <a:t>C</a:t>
+              <a:t>X</a:t>
             </a:r>
             <a:endParaRPr kumimoji="1" lang="ja-JP" altLang="en-US" sz="7200" dirty="0">
               <a:solidFill>
@@ -1309,7 +1309,7 @@
         <p:spPr>
           <a:xfrm>
             <a:off x="3491880" y="92755"/>
-            <a:ext cx="2390398" cy="1107996"/>
+            <a:ext cx="2375971" cy="1107996"/>
           </a:xfrm>
           <a:prstGeom prst="rect">
             <a:avLst/>
@@ -1324,7 +1324,7 @@
           <a:p>
             <a:r>
               <a:rPr kumimoji="1" lang="en-US" altLang="ja-JP" sz="6600" dirty="0"/>
-              <a:t>C = AB</a:t>
+              <a:t>X = AB</a:t>
             </a:r>
             <a:endParaRPr kumimoji="1" lang="ja-JP" altLang="en-US" sz="6600" dirty="0"/>
           </a:p>
@@ -1338,7 +1338,7 @@
         </p:nvSpPr>
         <p:spPr>
           <a:xfrm>
-            <a:off x="971600" y="5733256"/>
+            <a:off x="1403648" y="5877272"/>
             <a:ext cx="7034298" cy="461665"/>
           </a:xfrm>
           <a:prstGeom prst="rect">
@@ -1386,7 +1386,7 @@
             </a:r>
             <a:r>
               <a:rPr lang="en-US" altLang="ja-JP" sz="2400" dirty="0"/>
-              <a:t>C</a:t>
+              <a:t>X</a:t>
             </a:r>
             <a:r>
               <a:rPr lang="ja-JP" altLang="en-US" sz="2400" dirty="0"/>
@@ -1398,62 +1398,270 @@
       </p:sp>
       <p:sp>
         <p:nvSpPr>
-          <p:cNvPr id="7" name="右矢印 6"/>
-          <p:cNvSpPr/>
-          <p:nvPr/>
-        </p:nvSpPr>
-        <p:spPr>
-          <a:xfrm>
-            <a:off x="1835696" y="6309320"/>
-            <a:ext cx="576064" cy="432048"/>
-          </a:xfrm>
-          <a:prstGeom prst="rightArrow">
-            <a:avLst/>
-          </a:prstGeom>
-          <a:solidFill>
-            <a:srgbClr val="FF0000"/>
-          </a:solidFill>
-          <a:ln>
+          <p:cNvPr id="9" name="テキスト ボックス 8">
+            <a:extLst>
+              <a:ext uri="{FF2B5EF4-FFF2-40B4-BE49-F238E27FC236}">
+                <a16:creationId xmlns:a16="http://schemas.microsoft.com/office/drawing/2014/main" id="{654BAE44-FD3D-144D-A9F2-DB99DDEBB43C}"/>
+              </a:ext>
+            </a:extLst>
+          </p:cNvPr>
+          <p:cNvSpPr txBox="1"/>
+          <p:nvPr/>
+        </p:nvSpPr>
+        <p:spPr>
+          <a:xfrm>
+            <a:off x="2771800" y="5013176"/>
+            <a:ext cx="4556825" cy="707886"/>
+          </a:xfrm>
+          <a:prstGeom prst="rect">
+            <a:avLst/>
+          </a:prstGeom>
+          <a:noFill/>
+        </p:spPr>
+        <p:txBody>
+          <a:bodyPr wrap="none" rtlCol="0">
+            <a:spAutoFit/>
+          </a:bodyPr>
+          <a:lstStyle/>
+          <a:p>
+            <a:r>
+              <a:rPr kumimoji="1" lang="en-US" altLang="ja-JP" sz="4000" dirty="0"/>
+              <a:t>(</a:t>
+            </a:r>
+            <a:r>
+              <a:rPr kumimoji="1" lang="en-US" altLang="ja-JP" sz="4000" dirty="0">
+                <a:solidFill>
+                  <a:srgbClr val="FF0000"/>
+                </a:solidFill>
+              </a:rPr>
+              <a:t>m</a:t>
+            </a:r>
+            <a:r>
+              <a:rPr kumimoji="1" lang="en-US" altLang="ja-JP" sz="4000" dirty="0"/>
+              <a:t>,</a:t>
+            </a:r>
+            <a:r>
+              <a:rPr kumimoji="1" lang="en-US" altLang="ja-JP" sz="4000" dirty="0">
+                <a:solidFill>
+                  <a:srgbClr val="0070C0"/>
+                </a:solidFill>
+              </a:rPr>
+              <a:t>r</a:t>
+            </a:r>
+            <a:r>
+              <a:rPr kumimoji="1" lang="en-US" altLang="ja-JP" sz="4000" dirty="0"/>
+              <a:t>)</a:t>
+            </a:r>
+            <a:r>
+              <a:rPr lang="ja-JP" altLang="en-US" sz="4000" dirty="0"/>
+              <a:t> </a:t>
+            </a:r>
+            <a:r>
+              <a:rPr lang="en-US" altLang="ja-JP" sz="4000" dirty="0"/>
+              <a:t>x (</a:t>
+            </a:r>
+            <a:r>
+              <a:rPr kumimoji="1" lang="en-US" altLang="ja-JP" sz="4000" dirty="0">
+                <a:solidFill>
+                  <a:srgbClr val="0070C0"/>
+                </a:solidFill>
+              </a:rPr>
+              <a:t>r</a:t>
+            </a:r>
+            <a:r>
+              <a:rPr lang="en-US" altLang="ja-JP" sz="4000" dirty="0"/>
+              <a:t>, </a:t>
+            </a:r>
+            <a:r>
+              <a:rPr kumimoji="1" lang="en-US" altLang="ja-JP" sz="4000" dirty="0">
+                <a:solidFill>
+                  <a:srgbClr val="00B050"/>
+                </a:solidFill>
+              </a:rPr>
+              <a:t>n</a:t>
+            </a:r>
+            <a:r>
+              <a:rPr kumimoji="1" lang="en-US" altLang="ja-JP" sz="4000" dirty="0"/>
+              <a:t>) </a:t>
+            </a:r>
+            <a:r>
+              <a:rPr kumimoji="1" lang="ja-JP" altLang="en-US" sz="4000" dirty="0"/>
+              <a:t>→ </a:t>
+            </a:r>
+            <a:r>
+              <a:rPr kumimoji="1" lang="en-US" altLang="ja-JP" sz="4000" dirty="0"/>
+              <a:t>(</a:t>
+            </a:r>
+            <a:r>
+              <a:rPr kumimoji="1" lang="en-US" altLang="ja-JP" sz="4000" dirty="0">
+                <a:solidFill>
+                  <a:srgbClr val="FF0000"/>
+                </a:solidFill>
+              </a:rPr>
+              <a:t>m</a:t>
+            </a:r>
+            <a:r>
+              <a:rPr lang="en-US" altLang="ja-JP" sz="4000" dirty="0"/>
+              <a:t>, </a:t>
+            </a:r>
+            <a:r>
+              <a:rPr kumimoji="1" lang="en-US" altLang="ja-JP" sz="4000" dirty="0">
+                <a:solidFill>
+                  <a:srgbClr val="00B050"/>
+                </a:solidFill>
+              </a:rPr>
+              <a:t>n</a:t>
+            </a:r>
+            <a:r>
+              <a:rPr kumimoji="1" lang="en-US" altLang="ja-JP" sz="4000" dirty="0"/>
+              <a:t>)</a:t>
+            </a:r>
+            <a:endParaRPr kumimoji="1" lang="ja-JP" altLang="en-US" sz="4000" dirty="0"/>
+          </a:p>
+        </p:txBody>
+      </p:sp>
+      <p:cxnSp>
+        <p:nvCxnSpPr>
+          <p:cNvPr id="10" name="直線矢印コネクタ 9">
+            <a:extLst>
+              <a:ext uri="{FF2B5EF4-FFF2-40B4-BE49-F238E27FC236}">
+                <a16:creationId xmlns:a16="http://schemas.microsoft.com/office/drawing/2014/main" id="{B1BDBA55-FA0E-7A45-828D-246492D6009A}"/>
+              </a:ext>
+            </a:extLst>
+          </p:cNvPr>
+          <p:cNvCxnSpPr>
+            <a:cxnSpLocks/>
+          </p:cNvCxnSpPr>
+          <p:nvPr/>
+        </p:nvCxnSpPr>
+        <p:spPr>
+          <a:xfrm>
+            <a:off x="7236296" y="1988840"/>
+            <a:ext cx="0" cy="2448272"/>
+          </a:xfrm>
+          <a:prstGeom prst="straightConnector1">
+            <a:avLst/>
+          </a:prstGeom>
+          <a:ln w="12700">
             <a:solidFill>
               <a:schemeClr val="tx1"/>
             </a:solidFill>
+            <a:headEnd type="triangle"/>
+            <a:tailEnd type="triangle"/>
           </a:ln>
         </p:spPr>
         <p:style>
-          <a:lnRef idx="2">
-            <a:schemeClr val="accent1">
-              <a:shade val="50000"/>
-            </a:schemeClr>
+          <a:lnRef idx="1">
+            <a:schemeClr val="accent1"/>
           </a:lnRef>
-          <a:fillRef idx="1">
+          <a:fillRef idx="0">
             <a:schemeClr val="accent1"/>
           </a:fillRef>
           <a:effectRef idx="0">
             <a:schemeClr val="accent1"/>
           </a:effectRef>
           <a:fontRef idx="minor">
-            <a:schemeClr val="lt1"/>
+            <a:schemeClr val="tx1"/>
           </a:fontRef>
         </p:style>
-        <p:txBody>
-          <a:bodyPr rtlCol="0" anchor="ctr"/>
-          <a:lstStyle/>
-          <a:p>
-            <a:pPr algn="ctr"/>
-            <a:endParaRPr kumimoji="1" lang="ja-JP" altLang="en-US"/>
-          </a:p>
-        </p:txBody>
-      </p:sp>
-      <p:sp>
-        <p:nvSpPr>
-          <p:cNvPr id="8" name="テキスト ボックス 7"/>
+      </p:cxnSp>
+      <p:sp>
+        <p:nvSpPr>
+          <p:cNvPr id="11" name="テキスト ボックス 10">
+            <a:extLst>
+              <a:ext uri="{FF2B5EF4-FFF2-40B4-BE49-F238E27FC236}">
+                <a16:creationId xmlns:a16="http://schemas.microsoft.com/office/drawing/2014/main" id="{2B8C156E-A24A-1B47-9159-31D10169F487}"/>
+              </a:ext>
+            </a:extLst>
+          </p:cNvPr>
           <p:cNvSpPr txBox="1"/>
           <p:nvPr/>
         </p:nvSpPr>
         <p:spPr>
           <a:xfrm>
-            <a:off x="2555776" y="6330937"/>
-            <a:ext cx="3462807" cy="461665"/>
+            <a:off x="7236296" y="2924944"/>
+            <a:ext cx="346570" cy="461665"/>
+          </a:xfrm>
+          <a:prstGeom prst="rect">
+            <a:avLst/>
+          </a:prstGeom>
+          <a:noFill/>
+        </p:spPr>
+        <p:txBody>
+          <a:bodyPr wrap="square" rtlCol="0">
+            <a:spAutoFit/>
+          </a:bodyPr>
+          <a:lstStyle/>
+          <a:p>
+            <a:r>
+              <a:rPr kumimoji="1" lang="en-US" altLang="ja-JP" sz="2400" dirty="0"/>
+              <a:t>m</a:t>
+            </a:r>
+            <a:endParaRPr kumimoji="1" lang="ja-JP" altLang="en-US" sz="2400" dirty="0"/>
+          </a:p>
+        </p:txBody>
+      </p:sp>
+      <p:cxnSp>
+        <p:nvCxnSpPr>
+          <p:cNvPr id="13" name="直線矢印コネクタ 12">
+            <a:extLst>
+              <a:ext uri="{FF2B5EF4-FFF2-40B4-BE49-F238E27FC236}">
+                <a16:creationId xmlns:a16="http://schemas.microsoft.com/office/drawing/2014/main" id="{4524C48B-3017-8341-8615-AE7B6404D438}"/>
+              </a:ext>
+            </a:extLst>
+          </p:cNvPr>
+          <p:cNvCxnSpPr>
+            <a:cxnSpLocks/>
+          </p:cNvCxnSpPr>
+          <p:nvPr/>
+        </p:nvCxnSpPr>
+        <p:spPr>
+          <a:xfrm>
+            <a:off x="2627784" y="4581128"/>
+            <a:ext cx="4526995" cy="0"/>
+          </a:xfrm>
+          <a:prstGeom prst="straightConnector1">
+            <a:avLst/>
+          </a:prstGeom>
+          <a:ln w="12700">
+            <a:solidFill>
+              <a:schemeClr val="tx1"/>
+            </a:solidFill>
+            <a:headEnd type="triangle"/>
+            <a:tailEnd type="triangle"/>
+          </a:ln>
+        </p:spPr>
+        <p:style>
+          <a:lnRef idx="1">
+            <a:schemeClr val="accent1"/>
+          </a:lnRef>
+          <a:fillRef idx="0">
+            <a:schemeClr val="accent1"/>
+          </a:fillRef>
+          <a:effectRef idx="0">
+            <a:schemeClr val="accent1"/>
+          </a:effectRef>
+          <a:fontRef idx="minor">
+            <a:schemeClr val="tx1"/>
+          </a:fontRef>
+        </p:style>
+      </p:cxnSp>
+      <p:sp>
+        <p:nvSpPr>
+          <p:cNvPr id="14" name="テキスト ボックス 13">
+            <a:extLst>
+              <a:ext uri="{FF2B5EF4-FFF2-40B4-BE49-F238E27FC236}">
+                <a16:creationId xmlns:a16="http://schemas.microsoft.com/office/drawing/2014/main" id="{3FC97AE2-5EF0-6543-8813-77F280E5FDD8}"/>
+              </a:ext>
+            </a:extLst>
+          </p:cNvPr>
+          <p:cNvSpPr txBox="1"/>
+          <p:nvPr/>
+        </p:nvSpPr>
+        <p:spPr>
+          <a:xfrm>
+            <a:off x="4716016" y="4509120"/>
+            <a:ext cx="429926" cy="461665"/>
           </a:xfrm>
           <a:prstGeom prst="rect">
             <a:avLst/>
@@ -1467,32 +1675,170 @@
           <a:lstStyle/>
           <a:p>
             <a:r>
-              <a:rPr lang="ja-JP" altLang="en-US" sz="2400" dirty="0"/>
-              <a:t>行列</a:t>
-            </a:r>
-            <a:r>
               <a:rPr lang="en-US" altLang="ja-JP" sz="2400" dirty="0"/>
-              <a:t>C</a:t>
-            </a:r>
-            <a:r>
-              <a:rPr lang="ja-JP" altLang="en-US" sz="2400" dirty="0"/>
-              <a:t>を</a:t>
-            </a:r>
+              <a:t>m</a:t>
+            </a:r>
+            <a:endParaRPr kumimoji="1" lang="ja-JP" altLang="en-US" sz="2400" dirty="0"/>
+          </a:p>
+        </p:txBody>
+      </p:sp>
+      <p:cxnSp>
+        <p:nvCxnSpPr>
+          <p:cNvPr id="16" name="直線矢印コネクタ 15">
+            <a:extLst>
+              <a:ext uri="{FF2B5EF4-FFF2-40B4-BE49-F238E27FC236}">
+                <a16:creationId xmlns:a16="http://schemas.microsoft.com/office/drawing/2014/main" id="{E80AE053-4A36-E34B-871E-23A82F3EFC6E}"/>
+              </a:ext>
+            </a:extLst>
+          </p:cNvPr>
+          <p:cNvCxnSpPr>
+            <a:cxnSpLocks/>
+          </p:cNvCxnSpPr>
+          <p:nvPr/>
+        </p:nvCxnSpPr>
+        <p:spPr>
+          <a:xfrm>
+            <a:off x="1907704" y="4581128"/>
+            <a:ext cx="720080" cy="0"/>
+          </a:xfrm>
+          <a:prstGeom prst="straightConnector1">
+            <a:avLst/>
+          </a:prstGeom>
+          <a:ln w="12700">
+            <a:solidFill>
+              <a:schemeClr val="tx1"/>
+            </a:solidFill>
+            <a:headEnd type="triangle"/>
+            <a:tailEnd type="triangle"/>
+          </a:ln>
+        </p:spPr>
+        <p:style>
+          <a:lnRef idx="1">
+            <a:schemeClr val="accent1"/>
+          </a:lnRef>
+          <a:fillRef idx="0">
+            <a:schemeClr val="accent1"/>
+          </a:fillRef>
+          <a:effectRef idx="0">
+            <a:schemeClr val="accent1"/>
+          </a:effectRef>
+          <a:fontRef idx="minor">
+            <a:schemeClr val="tx1"/>
+          </a:fontRef>
+        </p:style>
+      </p:cxnSp>
+      <p:sp>
+        <p:nvSpPr>
+          <p:cNvPr id="18" name="テキスト ボックス 17">
+            <a:extLst>
+              <a:ext uri="{FF2B5EF4-FFF2-40B4-BE49-F238E27FC236}">
+                <a16:creationId xmlns:a16="http://schemas.microsoft.com/office/drawing/2014/main" id="{C5035A86-1301-B548-A9B9-9757DD3B5B9C}"/>
+              </a:ext>
+            </a:extLst>
+          </p:cNvPr>
+          <p:cNvSpPr txBox="1"/>
+          <p:nvPr/>
+        </p:nvSpPr>
+        <p:spPr>
+          <a:xfrm>
+            <a:off x="2119692" y="4509120"/>
+            <a:ext cx="292068" cy="461665"/>
+          </a:xfrm>
+          <a:prstGeom prst="rect">
+            <a:avLst/>
+          </a:prstGeom>
+          <a:noFill/>
+        </p:spPr>
+        <p:txBody>
+          <a:bodyPr wrap="none" rtlCol="0">
+            <a:spAutoFit/>
+          </a:bodyPr>
+          <a:lstStyle/>
+          <a:p>
             <a:r>
               <a:rPr lang="en-US" altLang="ja-JP" sz="2400" dirty="0"/>
-              <a:t>A</a:t>
-            </a:r>
-            <a:r>
-              <a:rPr lang="ja-JP" altLang="en-US" sz="2400" dirty="0"/>
-              <a:t>と</a:t>
-            </a:r>
+              <a:t>r</a:t>
+            </a:r>
+            <a:endParaRPr kumimoji="1" lang="ja-JP" altLang="en-US" sz="2400" dirty="0"/>
+          </a:p>
+        </p:txBody>
+      </p:sp>
+      <p:cxnSp>
+        <p:nvCxnSpPr>
+          <p:cNvPr id="19" name="直線矢印コネクタ 18">
+            <a:extLst>
+              <a:ext uri="{FF2B5EF4-FFF2-40B4-BE49-F238E27FC236}">
+                <a16:creationId xmlns:a16="http://schemas.microsoft.com/office/drawing/2014/main" id="{ADBD9FC9-F2B9-4647-B568-A15C562256AB}"/>
+              </a:ext>
+            </a:extLst>
+          </p:cNvPr>
+          <p:cNvCxnSpPr>
+            <a:cxnSpLocks/>
+          </p:cNvCxnSpPr>
+          <p:nvPr/>
+        </p:nvCxnSpPr>
+        <p:spPr>
+          <a:xfrm>
+            <a:off x="7236296" y="1340768"/>
+            <a:ext cx="0" cy="648072"/>
+          </a:xfrm>
+          <a:prstGeom prst="straightConnector1">
+            <a:avLst/>
+          </a:prstGeom>
+          <a:ln w="12700">
+            <a:solidFill>
+              <a:schemeClr val="tx1"/>
+            </a:solidFill>
+            <a:headEnd type="triangle"/>
+            <a:tailEnd type="triangle"/>
+          </a:ln>
+        </p:spPr>
+        <p:style>
+          <a:lnRef idx="1">
+            <a:schemeClr val="accent1"/>
+          </a:lnRef>
+          <a:fillRef idx="0">
+            <a:schemeClr val="accent1"/>
+          </a:fillRef>
+          <a:effectRef idx="0">
+            <a:schemeClr val="accent1"/>
+          </a:effectRef>
+          <a:fontRef idx="minor">
+            <a:schemeClr val="tx1"/>
+          </a:fontRef>
+        </p:style>
+      </p:cxnSp>
+      <p:sp>
+        <p:nvSpPr>
+          <p:cNvPr id="21" name="テキスト ボックス 20">
+            <a:extLst>
+              <a:ext uri="{FF2B5EF4-FFF2-40B4-BE49-F238E27FC236}">
+                <a16:creationId xmlns:a16="http://schemas.microsoft.com/office/drawing/2014/main" id="{8A012761-8C2F-A146-B0AF-8F4FEA5B3E29}"/>
+              </a:ext>
+            </a:extLst>
+          </p:cNvPr>
+          <p:cNvSpPr txBox="1"/>
+          <p:nvPr/>
+        </p:nvSpPr>
+        <p:spPr>
+          <a:xfrm>
+            <a:off x="7308304" y="1412776"/>
+            <a:ext cx="292068" cy="461665"/>
+          </a:xfrm>
+          <a:prstGeom prst="rect">
+            <a:avLst/>
+          </a:prstGeom>
+          <a:noFill/>
+        </p:spPr>
+        <p:txBody>
+          <a:bodyPr wrap="none" rtlCol="0">
+            <a:spAutoFit/>
+          </a:bodyPr>
+          <a:lstStyle/>
+          <a:p>
             <a:r>
               <a:rPr lang="en-US" altLang="ja-JP" sz="2400" dirty="0"/>
-              <a:t>B</a:t>
-            </a:r>
-            <a:r>
-              <a:rPr lang="ja-JP" altLang="en-US" sz="2400" dirty="0"/>
-              <a:t>で近似する</a:t>
+              <a:t>r</a:t>
             </a:r>
             <a:endParaRPr kumimoji="1" lang="ja-JP" altLang="en-US" sz="2400" dirty="0"/>
           </a:p>
@@ -2133,8 +2479,8 @@
           </p:sp>
         </mc:Fallback>
       </mc:AlternateContent>
-      <mc:AlternateContent xmlns:mc="http://schemas.openxmlformats.org/markup-compatibility/2006">
-        <mc:Choice xmlns:a14="http://schemas.microsoft.com/office/drawing/2010/main" Requires="a14">
+      <mc:AlternateContent xmlns:mc="http://schemas.openxmlformats.org/markup-compatibility/2006" xmlns:a14="http://schemas.microsoft.com/office/drawing/2010/main">
+        <mc:Choice Requires="a14">
           <p:sp>
             <p:nvSpPr>
               <p:cNvPr id="15" name="テキスト ボックス 14"/>
@@ -2200,7 +2546,7 @@
             </p:txBody>
           </p:sp>
         </mc:Choice>
-        <mc:Fallback>
+        <mc:Fallback xmlns="">
           <p:sp>
             <p:nvSpPr>
               <p:cNvPr id="15" name="テキスト ボックス 14"/>
@@ -2239,8 +2585,8 @@
           </p:sp>
         </mc:Fallback>
       </mc:AlternateContent>
-      <mc:AlternateContent xmlns:mc="http://schemas.openxmlformats.org/markup-compatibility/2006">
-        <mc:Choice xmlns:a14="http://schemas.microsoft.com/office/drawing/2010/main" Requires="a14">
+      <mc:AlternateContent xmlns:mc="http://schemas.openxmlformats.org/markup-compatibility/2006" xmlns:a14="http://schemas.microsoft.com/office/drawing/2010/main">
+        <mc:Choice Requires="a14">
           <p:sp>
             <p:nvSpPr>
               <p:cNvPr id="16" name="テキスト ボックス 15"/>
@@ -2288,7 +2634,7 @@
             </p:txBody>
           </p:sp>
         </mc:Choice>
-        <mc:Fallback>
+        <mc:Fallback xmlns="">
           <p:sp>
             <p:nvSpPr>
               <p:cNvPr id="16" name="テキスト ボックス 15"/>
@@ -3822,8 +4168,8 @@
           </a:p>
         </p:txBody>
       </p:sp>
-      <mc:AlternateContent xmlns:mc="http://schemas.openxmlformats.org/markup-compatibility/2006">
-        <mc:Choice xmlns:a14="http://schemas.microsoft.com/office/drawing/2010/main" Requires="a14">
+      <mc:AlternateContent xmlns:mc="http://schemas.openxmlformats.org/markup-compatibility/2006" xmlns:a14="http://schemas.microsoft.com/office/drawing/2010/main">
+        <mc:Choice Requires="a14">
           <p:sp>
             <p:nvSpPr>
               <p:cNvPr id="9" name="テキスト ボックス 8"/>
@@ -3867,7 +4213,7 @@
             </p:txBody>
           </p:sp>
         </mc:Choice>
-        <mc:Fallback>
+        <mc:Fallback xmlns="">
           <p:sp>
             <p:nvSpPr>
               <p:cNvPr id="9" name="テキスト ボックス 8"/>
@@ -3906,8 +4252,8 @@
           </p:sp>
         </mc:Fallback>
       </mc:AlternateContent>
-      <mc:AlternateContent xmlns:mc="http://schemas.openxmlformats.org/markup-compatibility/2006">
-        <mc:Choice xmlns:a14="http://schemas.microsoft.com/office/drawing/2010/main" Requires="a14">
+      <mc:AlternateContent xmlns:mc="http://schemas.openxmlformats.org/markup-compatibility/2006" xmlns:a14="http://schemas.microsoft.com/office/drawing/2010/main">
+        <mc:Choice Requires="a14">
           <p:sp>
             <p:nvSpPr>
               <p:cNvPr id="10" name="テキスト ボックス 9"/>
@@ -3951,7 +4297,7 @@
             </p:txBody>
           </p:sp>
         </mc:Choice>
-        <mc:Fallback>
+        <mc:Fallback xmlns="">
           <p:sp>
             <p:nvSpPr>
               <p:cNvPr id="10" name="テキスト ボックス 9"/>
@@ -3990,8 +4336,8 @@
           </p:sp>
         </mc:Fallback>
       </mc:AlternateContent>
-      <mc:AlternateContent xmlns:mc="http://schemas.openxmlformats.org/markup-compatibility/2006">
-        <mc:Choice xmlns:a14="http://schemas.microsoft.com/office/drawing/2010/main" Requires="a14">
+      <mc:AlternateContent xmlns:mc="http://schemas.openxmlformats.org/markup-compatibility/2006" xmlns:a14="http://schemas.microsoft.com/office/drawing/2010/main">
+        <mc:Choice Requires="a14">
           <p:sp>
             <p:nvSpPr>
               <p:cNvPr id="11" name="テキスト ボックス 10"/>
@@ -4057,7 +4403,7 @@
             </p:txBody>
           </p:sp>
         </mc:Choice>
-        <mc:Fallback>
+        <mc:Fallback xmlns="">
           <p:sp>
             <p:nvSpPr>
               <p:cNvPr id="11" name="テキスト ボックス 10"/>
@@ -4096,8 +4442,8 @@
           </p:sp>
         </mc:Fallback>
       </mc:AlternateContent>
-      <mc:AlternateContent xmlns:mc="http://schemas.openxmlformats.org/markup-compatibility/2006">
-        <mc:Choice xmlns:a14="http://schemas.microsoft.com/office/drawing/2010/main" Requires="a14">
+      <mc:AlternateContent xmlns:mc="http://schemas.openxmlformats.org/markup-compatibility/2006" xmlns:a14="http://schemas.microsoft.com/office/drawing/2010/main">
+        <mc:Choice Requires="a14">
           <p:sp>
             <p:nvSpPr>
               <p:cNvPr id="12" name="テキスト ボックス 11"/>
@@ -4145,7 +4491,7 @@
             </p:txBody>
           </p:sp>
         </mc:Choice>
-        <mc:Fallback>
+        <mc:Fallback xmlns="">
           <p:sp>
             <p:nvSpPr>
               <p:cNvPr id="12" name="テキスト ボックス 11"/>
@@ -4207,7 +4553,7 @@
           <a:lstStyle/>
           <a:p>
             <a:r>
-              <a:rPr kumimoji="1" lang="en-US" altLang="ja-JP" sz="2400" dirty="0" smtClean="0"/>
+              <a:rPr kumimoji="1" lang="en-US" altLang="ja-JP" sz="2400" dirty="0"/>
               <a:t>m</a:t>
             </a:r>
             <a:endParaRPr kumimoji="1" lang="ja-JP" altLang="en-US" sz="2400" dirty="0"/>
@@ -4311,7 +4657,7 @@
           <a:lstStyle/>
           <a:p>
             <a:r>
-              <a:rPr kumimoji="1" lang="en-US" altLang="ja-JP" sz="2400" dirty="0" smtClean="0"/>
+              <a:rPr kumimoji="1" lang="en-US" altLang="ja-JP" sz="2400" dirty="0"/>
               <a:t>n</a:t>
             </a:r>
             <a:endParaRPr kumimoji="1" lang="ja-JP" altLang="en-US" sz="2400" dirty="0"/>
@@ -4341,7 +4687,7 @@
           <a:lstStyle/>
           <a:p>
             <a:r>
-              <a:rPr kumimoji="1" lang="en-US" altLang="ja-JP" sz="2400" dirty="0" smtClean="0"/>
+              <a:rPr kumimoji="1" lang="en-US" altLang="ja-JP" sz="2400" dirty="0"/>
               <a:t>m</a:t>
             </a:r>
             <a:endParaRPr kumimoji="1" lang="ja-JP" altLang="en-US" sz="2400" dirty="0"/>
@@ -4445,7 +4791,7 @@
           <a:lstStyle/>
           <a:p>
             <a:r>
-              <a:rPr kumimoji="1" lang="en-US" altLang="ja-JP" sz="2400" dirty="0" smtClean="0"/>
+              <a:rPr kumimoji="1" lang="en-US" altLang="ja-JP" sz="2400" dirty="0"/>
               <a:t>m</a:t>
             </a:r>
             <a:endParaRPr kumimoji="1" lang="ja-JP" altLang="en-US" sz="2400" dirty="0"/>
@@ -4512,7 +4858,7 @@
           <a:lstStyle/>
           <a:p>
             <a:r>
-              <a:rPr kumimoji="1" lang="en-US" altLang="ja-JP" sz="2400" dirty="0" smtClean="0"/>
+              <a:rPr kumimoji="1" lang="en-US" altLang="ja-JP" sz="2400" dirty="0"/>
               <a:t>n</a:t>
             </a:r>
             <a:endParaRPr kumimoji="1" lang="ja-JP" altLang="en-US" sz="2400" dirty="0"/>
@@ -4579,7 +4925,7 @@
           <a:lstStyle/>
           <a:p>
             <a:r>
-              <a:rPr kumimoji="1" lang="en-US" altLang="ja-JP" sz="2400" dirty="0" smtClean="0"/>
+              <a:rPr kumimoji="1" lang="en-US" altLang="ja-JP" sz="2400" dirty="0"/>
               <a:t>n</a:t>
             </a:r>
             <a:endParaRPr kumimoji="1" lang="ja-JP" altLang="en-US" sz="2400" dirty="0"/>
@@ -4646,7 +4992,7 @@
           <a:lstStyle/>
           <a:p>
             <a:r>
-              <a:rPr kumimoji="1" lang="en-US" altLang="ja-JP" sz="2400" dirty="0" smtClean="0"/>
+              <a:rPr kumimoji="1" lang="en-US" altLang="ja-JP" sz="2400" dirty="0"/>
               <a:t>n</a:t>
             </a:r>
             <a:endParaRPr kumimoji="1" lang="ja-JP" altLang="en-US" sz="2400" dirty="0"/>
@@ -4999,7 +5345,7 @@
           <a:lstStyle/>
           <a:p>
             <a:r>
-              <a:rPr kumimoji="1" lang="en-US" altLang="ja-JP" sz="2400" dirty="0" smtClean="0"/>
+              <a:rPr kumimoji="1" lang="en-US" altLang="ja-JP" sz="2400" dirty="0"/>
               <a:t>n</a:t>
             </a:r>
             <a:endParaRPr kumimoji="1" lang="ja-JP" altLang="en-US" sz="2400" dirty="0"/>
@@ -5029,7 +5375,7 @@
           <a:lstStyle/>
           <a:p>
             <a:r>
-              <a:rPr kumimoji="1" lang="en-US" altLang="ja-JP" sz="2400" dirty="0" smtClean="0"/>
+              <a:rPr kumimoji="1" lang="en-US" altLang="ja-JP" sz="2400" dirty="0"/>
               <a:t>m</a:t>
             </a:r>
             <a:endParaRPr kumimoji="1" lang="ja-JP" altLang="en-US" sz="2400" dirty="0"/>
@@ -5073,8 +5419,8 @@
           </a:fontRef>
         </p:style>
       </p:cxnSp>
-      <mc:AlternateContent xmlns:mc="http://schemas.openxmlformats.org/markup-compatibility/2006">
-        <mc:Choice xmlns:a14="http://schemas.microsoft.com/office/drawing/2010/main" Requires="a14">
+      <mc:AlternateContent xmlns:mc="http://schemas.openxmlformats.org/markup-compatibility/2006" xmlns:a14="http://schemas.microsoft.com/office/drawing/2010/main">
+        <mc:Choice Requires="a14">
           <p:sp>
             <p:nvSpPr>
               <p:cNvPr id="42" name="テキスト ボックス 41"/>
@@ -5129,7 +5475,7 @@
             </p:txBody>
           </p:sp>
         </mc:Choice>
-        <mc:Fallback>
+        <mc:Fallback xmlns="">
           <p:sp>
             <p:nvSpPr>
               <p:cNvPr id="42" name="テキスト ボックス 41"/>
@@ -5228,7 +5574,7 @@
           <a:lstStyle/>
           <a:p>
             <a:r>
-              <a:rPr kumimoji="1" lang="en-US" altLang="ja-JP" sz="2400" dirty="0" smtClean="0"/>
+              <a:rPr kumimoji="1" lang="en-US" altLang="ja-JP" sz="2400" dirty="0"/>
               <a:t>m</a:t>
             </a:r>
             <a:endParaRPr kumimoji="1" lang="ja-JP" altLang="en-US" sz="2400" dirty="0"/>

--- a/daimyo_svd/fig.pptx
+++ b/daimyo_svd/fig.pptx
@@ -7,8 +7,8 @@
   <p:sldIdLst>
     <p:sldId id="256" r:id="rId2"/>
     <p:sldId id="257" r:id="rId3"/>
-    <p:sldId id="258" r:id="rId4"/>
-    <p:sldId id="259" r:id="rId5"/>
+    <p:sldId id="259" r:id="rId4"/>
+    <p:sldId id="258" r:id="rId5"/>
   </p:sldIdLst>
   <p:sldSz cx="9144000" cy="6858000" type="screen4x3"/>
   <p:notesSz cx="6858000" cy="9144000"/>
@@ -1410,7 +1410,7 @@
         </p:nvSpPr>
         <p:spPr>
           <a:xfrm>
-            <a:off x="2771800" y="5013176"/>
+            <a:off x="2771800" y="4941168"/>
             <a:ext cx="4556825" cy="707886"/>
           </a:xfrm>
           <a:prstGeom prst="rect">
@@ -1858,2026 +1858,6 @@
 </file>
 
 <file path=ppt/slides/slide3.xml><?xml version="1.0" encoding="utf-8"?>
-<p:sld xmlns:a="http://schemas.openxmlformats.org/drawingml/2006/main" xmlns:r="http://schemas.openxmlformats.org/officeDocument/2006/relationships" xmlns:p="http://schemas.openxmlformats.org/presentationml/2006/main">
-  <p:cSld>
-    <p:spTree>
-      <p:nvGrpSpPr>
-        <p:cNvPr id="1" name=""/>
-        <p:cNvGrpSpPr/>
-        <p:nvPr/>
-      </p:nvGrpSpPr>
-      <p:grpSpPr>
-        <a:xfrm>
-          <a:off x="0" y="0"/>
-          <a:ext cx="0" cy="0"/>
-          <a:chOff x="0" y="0"/>
-          <a:chExt cx="0" cy="0"/>
-        </a:xfrm>
-      </p:grpSpPr>
-      <p:sp>
-        <p:nvSpPr>
-          <p:cNvPr id="2" name="テキスト ボックス 1"/>
-          <p:cNvSpPr txBox="1"/>
-          <p:nvPr/>
-        </p:nvSpPr>
-        <p:spPr>
-          <a:xfrm>
-            <a:off x="3127935" y="14703"/>
-            <a:ext cx="2749471" cy="707886"/>
-          </a:xfrm>
-          <a:prstGeom prst="rect">
-            <a:avLst/>
-          </a:prstGeom>
-          <a:noFill/>
-        </p:spPr>
-        <p:txBody>
-          <a:bodyPr wrap="none" rtlCol="0">
-            <a:spAutoFit/>
-          </a:bodyPr>
-          <a:lstStyle/>
-          <a:p>
-            <a:r>
-              <a:rPr kumimoji="1" lang="ja-JP" altLang="en-US" sz="4000" dirty="0"/>
-              <a:t>特異値分解</a:t>
-            </a:r>
-          </a:p>
-        </p:txBody>
-      </p:sp>
-      <mc:AlternateContent xmlns:mc="http://schemas.openxmlformats.org/markup-compatibility/2006" xmlns:a14="http://schemas.microsoft.com/office/drawing/2010/main">
-        <mc:Choice Requires="a14">
-          <p:sp>
-            <p:nvSpPr>
-              <p:cNvPr id="3" name="テキスト ボックス 2"/>
-              <p:cNvSpPr txBox="1"/>
-              <p:nvPr/>
-            </p:nvSpPr>
-            <p:spPr>
-              <a:xfrm>
-                <a:off x="3279803" y="629741"/>
-                <a:ext cx="2347630" cy="631455"/>
-              </a:xfrm>
-              <a:prstGeom prst="rect">
-                <a:avLst/>
-              </a:prstGeom>
-              <a:noFill/>
-            </p:spPr>
-            <p:txBody>
-              <a:bodyPr wrap="none" lIns="0" tIns="0" rIns="0" bIns="0" rtlCol="0">
-                <a:spAutoFit/>
-              </a:bodyPr>
-              <a:lstStyle/>
-              <a:p>
-                <a:pPr/>
-                <a14:m>
-                  <m:oMathPara xmlns:m="http://schemas.openxmlformats.org/officeDocument/2006/math">
-                    <m:oMathParaPr>
-                      <m:jc m:val="centerGroup"/>
-                    </m:oMathParaPr>
-                    <m:oMath xmlns:m="http://schemas.openxmlformats.org/officeDocument/2006/math">
-                      <m:r>
-                        <a:rPr kumimoji="1" lang="en-US" altLang="ja-JP" sz="4000" b="0" i="1" smtClean="0">
-                          <a:latin typeface="Cambria Math" panose="02040503050406030204" pitchFamily="18" charset="0"/>
-                        </a:rPr>
-                        <m:t>𝑋</m:t>
-                      </m:r>
-                      <m:r>
-                        <a:rPr kumimoji="1" lang="en-US" altLang="ja-JP" sz="4000" b="0" i="1" smtClean="0">
-                          <a:latin typeface="Cambria Math" panose="02040503050406030204" pitchFamily="18" charset="0"/>
-                        </a:rPr>
-                        <m:t>=</m:t>
-                      </m:r>
-                      <m:r>
-                        <a:rPr kumimoji="1" lang="en-US" altLang="ja-JP" sz="4000" b="0" i="1" smtClean="0">
-                          <a:latin typeface="Cambria Math" panose="02040503050406030204" pitchFamily="18" charset="0"/>
-                        </a:rPr>
-                        <m:t>𝑈</m:t>
-                      </m:r>
-                      <m:r>
-                        <m:rPr>
-                          <m:sty m:val="p"/>
-                        </m:rPr>
-                        <a:rPr kumimoji="1" lang="el-GR" altLang="ja-JP" sz="4000" b="0" i="1" smtClean="0">
-                          <a:latin typeface="Cambria Math" panose="02040503050406030204" pitchFamily="18" charset="0"/>
-                          <a:ea typeface="Cambria Math" panose="02040503050406030204" pitchFamily="18" charset="0"/>
-                        </a:rPr>
-                        <m:t>Σ</m:t>
-                      </m:r>
-                      <m:sSup>
-                        <m:sSupPr>
-                          <m:ctrlPr>
-                            <a:rPr kumimoji="1" lang="el-GR" altLang="ja-JP" sz="4000" b="0" i="1" smtClean="0">
-                              <a:latin typeface="Cambria Math" panose="02040503050406030204" pitchFamily="18" charset="0"/>
-                              <a:ea typeface="Cambria Math" panose="02040503050406030204" pitchFamily="18" charset="0"/>
-                            </a:rPr>
-                          </m:ctrlPr>
-                        </m:sSupPr>
-                        <m:e>
-                          <m:r>
-                            <a:rPr kumimoji="1" lang="en-US" altLang="ja-JP" sz="4000" b="0" i="1" smtClean="0">
-                              <a:latin typeface="Cambria Math" panose="02040503050406030204" pitchFamily="18" charset="0"/>
-                              <a:ea typeface="Cambria Math" panose="02040503050406030204" pitchFamily="18" charset="0"/>
-                            </a:rPr>
-                            <m:t>𝑉</m:t>
-                          </m:r>
-                        </m:e>
-                        <m:sup>
-                          <m:r>
-                            <a:rPr kumimoji="1" lang="el-GR" altLang="ja-JP" sz="4000" b="0" i="1" smtClean="0">
-                              <a:latin typeface="Cambria Math" panose="02040503050406030204" pitchFamily="18" charset="0"/>
-                              <a:ea typeface="Cambria Math" panose="02040503050406030204" pitchFamily="18" charset="0"/>
-                            </a:rPr>
-                            <m:t>†</m:t>
-                          </m:r>
-                        </m:sup>
-                      </m:sSup>
-                    </m:oMath>
-                  </m:oMathPara>
-                </a14:m>
-                <a:endParaRPr kumimoji="1" lang="ja-JP" altLang="en-US" sz="4000" dirty="0"/>
-              </a:p>
-            </p:txBody>
-          </p:sp>
-        </mc:Choice>
-        <mc:Fallback xmlns="">
-          <p:sp>
-            <p:nvSpPr>
-              <p:cNvPr id="3" name="テキスト ボックス 2"/>
-              <p:cNvSpPr txBox="1">
-                <a:spLocks noRot="1" noChangeAspect="1" noMove="1" noResize="1" noEditPoints="1" noAdjustHandles="1" noChangeArrowheads="1" noChangeShapeType="1" noTextEdit="1"/>
-              </p:cNvSpPr>
-              <p:nvPr/>
-            </p:nvSpPr>
-            <p:spPr>
-              <a:xfrm>
-                <a:off x="3279803" y="629741"/>
-                <a:ext cx="2347630" cy="631455"/>
-              </a:xfrm>
-              <a:prstGeom prst="rect">
-                <a:avLst/>
-              </a:prstGeom>
-              <a:blipFill>
-                <a:blip r:embed="rId2"/>
-                <a:stretch>
-                  <a:fillRect/>
-                </a:stretch>
-              </a:blipFill>
-            </p:spPr>
-            <p:txBody>
-              <a:bodyPr/>
-              <a:lstStyle/>
-              <a:p>
-                <a:r>
-                  <a:rPr lang="ja-JP" altLang="en-US">
-                    <a:noFill/>
-                  </a:rPr>
-                  <a:t> </a:t>
-                </a:r>
-              </a:p>
-            </p:txBody>
-          </p:sp>
-        </mc:Fallback>
-      </mc:AlternateContent>
-      <p:sp>
-        <p:nvSpPr>
-          <p:cNvPr id="4" name="正方形/長方形 3"/>
-          <p:cNvSpPr/>
-          <p:nvPr/>
-        </p:nvSpPr>
-        <p:spPr>
-          <a:xfrm>
-            <a:off x="755576" y="1412776"/>
-            <a:ext cx="1656184" cy="1052736"/>
-          </a:xfrm>
-          <a:prstGeom prst="rect">
-            <a:avLst/>
-          </a:prstGeom>
-          <a:noFill/>
-          <a:ln>
-            <a:solidFill>
-              <a:schemeClr val="tx1"/>
-            </a:solidFill>
-          </a:ln>
-        </p:spPr>
-        <p:style>
-          <a:lnRef idx="2">
-            <a:schemeClr val="accent1">
-              <a:shade val="50000"/>
-            </a:schemeClr>
-          </a:lnRef>
-          <a:fillRef idx="1">
-            <a:schemeClr val="accent1"/>
-          </a:fillRef>
-          <a:effectRef idx="0">
-            <a:schemeClr val="accent1"/>
-          </a:effectRef>
-          <a:fontRef idx="minor">
-            <a:schemeClr val="lt1"/>
-          </a:fontRef>
-        </p:style>
-        <p:txBody>
-          <a:bodyPr rtlCol="0" anchor="ctr"/>
-          <a:lstStyle/>
-          <a:p>
-            <a:pPr algn="ctr"/>
-            <a:endParaRPr kumimoji="1" lang="ja-JP" altLang="en-US" dirty="0"/>
-          </a:p>
-        </p:txBody>
-      </p:sp>
-      <p:sp>
-        <p:nvSpPr>
-          <p:cNvPr id="5" name="正方形/長方形 4"/>
-          <p:cNvSpPr/>
-          <p:nvPr/>
-        </p:nvSpPr>
-        <p:spPr>
-          <a:xfrm>
-            <a:off x="3419873" y="1412777"/>
-            <a:ext cx="1080120" cy="1080120"/>
-          </a:xfrm>
-          <a:prstGeom prst="rect">
-            <a:avLst/>
-          </a:prstGeom>
-          <a:noFill/>
-          <a:ln>
-            <a:solidFill>
-              <a:schemeClr val="tx1"/>
-            </a:solidFill>
-          </a:ln>
-        </p:spPr>
-        <p:style>
-          <a:lnRef idx="2">
-            <a:schemeClr val="accent1">
-              <a:shade val="50000"/>
-            </a:schemeClr>
-          </a:lnRef>
-          <a:fillRef idx="1">
-            <a:schemeClr val="accent1"/>
-          </a:fillRef>
-          <a:effectRef idx="0">
-            <a:schemeClr val="accent1"/>
-          </a:effectRef>
-          <a:fontRef idx="minor">
-            <a:schemeClr val="lt1"/>
-          </a:fontRef>
-        </p:style>
-        <p:txBody>
-          <a:bodyPr rtlCol="0" anchor="ctr"/>
-          <a:lstStyle/>
-          <a:p>
-            <a:pPr algn="ctr"/>
-            <a:endParaRPr kumimoji="1" lang="ja-JP" altLang="en-US"/>
-          </a:p>
-        </p:txBody>
-      </p:sp>
-      <p:sp>
-        <p:nvSpPr>
-          <p:cNvPr id="6" name="正方形/長方形 5"/>
-          <p:cNvSpPr/>
-          <p:nvPr/>
-        </p:nvSpPr>
-        <p:spPr>
-          <a:xfrm>
-            <a:off x="4860032" y="1412776"/>
-            <a:ext cx="1656184" cy="1080120"/>
-          </a:xfrm>
-          <a:prstGeom prst="rect">
-            <a:avLst/>
-          </a:prstGeom>
-          <a:noFill/>
-          <a:ln>
-            <a:solidFill>
-              <a:schemeClr val="tx1"/>
-            </a:solidFill>
-          </a:ln>
-        </p:spPr>
-        <p:style>
-          <a:lnRef idx="2">
-            <a:schemeClr val="accent1">
-              <a:shade val="50000"/>
-            </a:schemeClr>
-          </a:lnRef>
-          <a:fillRef idx="1">
-            <a:schemeClr val="accent1"/>
-          </a:fillRef>
-          <a:effectRef idx="0">
-            <a:schemeClr val="accent1"/>
-          </a:effectRef>
-          <a:fontRef idx="minor">
-            <a:schemeClr val="lt1"/>
-          </a:fontRef>
-        </p:style>
-        <p:txBody>
-          <a:bodyPr rtlCol="0" anchor="ctr"/>
-          <a:lstStyle/>
-          <a:p>
-            <a:pPr algn="ctr"/>
-            <a:endParaRPr kumimoji="1" lang="ja-JP" altLang="en-US"/>
-          </a:p>
-        </p:txBody>
-      </p:sp>
-      <p:sp>
-        <p:nvSpPr>
-          <p:cNvPr id="7" name="正方形/長方形 6"/>
-          <p:cNvSpPr/>
-          <p:nvPr/>
-        </p:nvSpPr>
-        <p:spPr>
-          <a:xfrm>
-            <a:off x="7164288" y="1127271"/>
-            <a:ext cx="1656184" cy="1653657"/>
-          </a:xfrm>
-          <a:prstGeom prst="rect">
-            <a:avLst/>
-          </a:prstGeom>
-          <a:noFill/>
-          <a:ln>
-            <a:solidFill>
-              <a:schemeClr val="tx1"/>
-            </a:solidFill>
-          </a:ln>
-        </p:spPr>
-        <p:style>
-          <a:lnRef idx="2">
-            <a:schemeClr val="accent1">
-              <a:shade val="50000"/>
-            </a:schemeClr>
-          </a:lnRef>
-          <a:fillRef idx="1">
-            <a:schemeClr val="accent1"/>
-          </a:fillRef>
-          <a:effectRef idx="0">
-            <a:schemeClr val="accent1"/>
-          </a:effectRef>
-          <a:fontRef idx="minor">
-            <a:schemeClr val="lt1"/>
-          </a:fontRef>
-        </p:style>
-        <p:txBody>
-          <a:bodyPr rtlCol="0" anchor="ctr"/>
-          <a:lstStyle/>
-          <a:p>
-            <a:pPr algn="ctr"/>
-            <a:endParaRPr kumimoji="1" lang="ja-JP" altLang="en-US"/>
-          </a:p>
-        </p:txBody>
-      </p:sp>
-      <p:sp>
-        <p:nvSpPr>
-          <p:cNvPr id="9" name="テキスト ボックス 8"/>
-          <p:cNvSpPr txBox="1"/>
-          <p:nvPr/>
-        </p:nvSpPr>
-        <p:spPr>
-          <a:xfrm>
-            <a:off x="4533886" y="1651389"/>
-            <a:ext cx="362600" cy="584775"/>
-          </a:xfrm>
-          <a:prstGeom prst="rect">
-            <a:avLst/>
-          </a:prstGeom>
-          <a:noFill/>
-        </p:spPr>
-        <p:txBody>
-          <a:bodyPr wrap="none" rtlCol="0">
-            <a:spAutoFit/>
-          </a:bodyPr>
-          <a:lstStyle/>
-          <a:p>
-            <a:r>
-              <a:rPr kumimoji="1" lang="en-US" altLang="ja-JP" sz="3200" dirty="0"/>
-              <a:t>x</a:t>
-            </a:r>
-            <a:endParaRPr kumimoji="1" lang="ja-JP" altLang="en-US" sz="3200" dirty="0"/>
-          </a:p>
-        </p:txBody>
-      </p:sp>
-      <p:sp>
-        <p:nvSpPr>
-          <p:cNvPr id="10" name="テキスト ボックス 9"/>
-          <p:cNvSpPr txBox="1"/>
-          <p:nvPr/>
-        </p:nvSpPr>
-        <p:spPr>
-          <a:xfrm>
-            <a:off x="6660232" y="1628800"/>
-            <a:ext cx="408460" cy="584775"/>
-          </a:xfrm>
-          <a:prstGeom prst="rect">
-            <a:avLst/>
-          </a:prstGeom>
-          <a:noFill/>
-        </p:spPr>
-        <p:txBody>
-          <a:bodyPr wrap="square" rtlCol="0">
-            <a:spAutoFit/>
-          </a:bodyPr>
-          <a:lstStyle/>
-          <a:p>
-            <a:r>
-              <a:rPr kumimoji="1" lang="en-US" altLang="ja-JP" sz="3200" dirty="0"/>
-              <a:t>x</a:t>
-            </a:r>
-            <a:endParaRPr kumimoji="1" lang="ja-JP" altLang="en-US" sz="3200" dirty="0"/>
-          </a:p>
-        </p:txBody>
-      </p:sp>
-      <p:sp>
-        <p:nvSpPr>
-          <p:cNvPr id="11" name="テキスト ボックス 10"/>
-          <p:cNvSpPr txBox="1"/>
-          <p:nvPr/>
-        </p:nvSpPr>
-        <p:spPr>
-          <a:xfrm>
-            <a:off x="2755347" y="1636314"/>
-            <a:ext cx="389850" cy="584775"/>
-          </a:xfrm>
-          <a:prstGeom prst="rect">
-            <a:avLst/>
-          </a:prstGeom>
-          <a:noFill/>
-        </p:spPr>
-        <p:txBody>
-          <a:bodyPr wrap="none" rtlCol="0">
-            <a:spAutoFit/>
-          </a:bodyPr>
-          <a:lstStyle/>
-          <a:p>
-            <a:r>
-              <a:rPr lang="en-US" altLang="ja-JP" sz="3200" dirty="0"/>
-              <a:t>=</a:t>
-            </a:r>
-            <a:endParaRPr kumimoji="1" lang="ja-JP" altLang="en-US" sz="3200" dirty="0"/>
-          </a:p>
-        </p:txBody>
-      </p:sp>
-      <mc:AlternateContent xmlns:mc="http://schemas.openxmlformats.org/markup-compatibility/2006" xmlns:a14="http://schemas.microsoft.com/office/drawing/2010/main">
-        <mc:Choice Requires="a14">
-          <p:sp>
-            <p:nvSpPr>
-              <p:cNvPr id="12" name="テキスト ボックス 11"/>
-              <p:cNvSpPr txBox="1"/>
-              <p:nvPr/>
-            </p:nvSpPr>
-            <p:spPr>
-              <a:xfrm>
-                <a:off x="1340705" y="1643810"/>
-                <a:ext cx="458139" cy="615553"/>
-              </a:xfrm>
-              <a:prstGeom prst="rect">
-                <a:avLst/>
-              </a:prstGeom>
-              <a:noFill/>
-            </p:spPr>
-            <p:txBody>
-              <a:bodyPr wrap="none" lIns="0" tIns="0" rIns="0" bIns="0" rtlCol="0">
-                <a:spAutoFit/>
-              </a:bodyPr>
-              <a:lstStyle/>
-              <a:p>
-                <a:pPr/>
-                <a14:m>
-                  <m:oMathPara xmlns:m="http://schemas.openxmlformats.org/officeDocument/2006/math">
-                    <m:oMathParaPr>
-                      <m:jc m:val="centerGroup"/>
-                    </m:oMathParaPr>
-                    <m:oMath xmlns:m="http://schemas.openxmlformats.org/officeDocument/2006/math">
-                      <m:r>
-                        <a:rPr kumimoji="1" lang="en-US" altLang="ja-JP" sz="4000" b="0" i="1" smtClean="0">
-                          <a:latin typeface="Cambria Math" panose="02040503050406030204" pitchFamily="18" charset="0"/>
-                        </a:rPr>
-                        <m:t>𝑋</m:t>
-                      </m:r>
-                    </m:oMath>
-                  </m:oMathPara>
-                </a14:m>
-                <a:endParaRPr kumimoji="1" lang="ja-JP" altLang="en-US" sz="4000" dirty="0"/>
-              </a:p>
-            </p:txBody>
-          </p:sp>
-        </mc:Choice>
-        <mc:Fallback xmlns="">
-          <p:sp>
-            <p:nvSpPr>
-              <p:cNvPr id="12" name="テキスト ボックス 11"/>
-              <p:cNvSpPr txBox="1">
-                <a:spLocks noRot="1" noChangeAspect="1" noMove="1" noResize="1" noEditPoints="1" noAdjustHandles="1" noChangeArrowheads="1" noChangeShapeType="1" noTextEdit="1"/>
-              </p:cNvSpPr>
-              <p:nvPr/>
-            </p:nvSpPr>
-            <p:spPr>
-              <a:xfrm>
-                <a:off x="1340705" y="1643810"/>
-                <a:ext cx="458139" cy="615553"/>
-              </a:xfrm>
-              <a:prstGeom prst="rect">
-                <a:avLst/>
-              </a:prstGeom>
-              <a:blipFill>
-                <a:blip r:embed="rId3"/>
-                <a:stretch>
-                  <a:fillRect/>
-                </a:stretch>
-              </a:blipFill>
-            </p:spPr>
-            <p:txBody>
-              <a:bodyPr/>
-              <a:lstStyle/>
-              <a:p>
-                <a:r>
-                  <a:rPr lang="ja-JP" altLang="en-US">
-                    <a:noFill/>
-                  </a:rPr>
-                  <a:t> </a:t>
-                </a:r>
-              </a:p>
-            </p:txBody>
-          </p:sp>
-        </mc:Fallback>
-      </mc:AlternateContent>
-      <mc:AlternateContent xmlns:mc="http://schemas.openxmlformats.org/markup-compatibility/2006" xmlns:a14="http://schemas.microsoft.com/office/drawing/2010/main">
-        <mc:Choice Requires="a14">
-          <p:sp>
-            <p:nvSpPr>
-              <p:cNvPr id="14" name="テキスト ボックス 13"/>
-              <p:cNvSpPr txBox="1"/>
-              <p:nvPr/>
-            </p:nvSpPr>
-            <p:spPr>
-              <a:xfrm>
-                <a:off x="3656988" y="1643810"/>
-                <a:ext cx="478080" cy="615553"/>
-              </a:xfrm>
-              <a:prstGeom prst="rect">
-                <a:avLst/>
-              </a:prstGeom>
-              <a:noFill/>
-            </p:spPr>
-            <p:txBody>
-              <a:bodyPr wrap="none" lIns="0" tIns="0" rIns="0" bIns="0" rtlCol="0">
-                <a:spAutoFit/>
-              </a:bodyPr>
-              <a:lstStyle/>
-              <a:p>
-                <a:pPr/>
-                <a14:m>
-                  <m:oMathPara xmlns:m="http://schemas.openxmlformats.org/officeDocument/2006/math">
-                    <m:oMathParaPr>
-                      <m:jc m:val="centerGroup"/>
-                    </m:oMathParaPr>
-                    <m:oMath xmlns:m="http://schemas.openxmlformats.org/officeDocument/2006/math">
-                      <m:r>
-                        <a:rPr kumimoji="1" lang="en-US" altLang="ja-JP" sz="4000" b="0" i="1" smtClean="0">
-                          <a:latin typeface="Cambria Math" panose="02040503050406030204" pitchFamily="18" charset="0"/>
-                        </a:rPr>
-                        <m:t>𝑈</m:t>
-                      </m:r>
-                    </m:oMath>
-                  </m:oMathPara>
-                </a14:m>
-                <a:endParaRPr kumimoji="1" lang="ja-JP" altLang="en-US" sz="4000" dirty="0"/>
-              </a:p>
-            </p:txBody>
-          </p:sp>
-        </mc:Choice>
-        <mc:Fallback xmlns="">
-          <p:sp>
-            <p:nvSpPr>
-              <p:cNvPr id="14" name="テキスト ボックス 13"/>
-              <p:cNvSpPr txBox="1">
-                <a:spLocks noRot="1" noChangeAspect="1" noMove="1" noResize="1" noEditPoints="1" noAdjustHandles="1" noChangeArrowheads="1" noChangeShapeType="1" noTextEdit="1"/>
-              </p:cNvSpPr>
-              <p:nvPr/>
-            </p:nvSpPr>
-            <p:spPr>
-              <a:xfrm>
-                <a:off x="3656988" y="1643810"/>
-                <a:ext cx="478080" cy="615553"/>
-              </a:xfrm>
-              <a:prstGeom prst="rect">
-                <a:avLst/>
-              </a:prstGeom>
-              <a:blipFill>
-                <a:blip r:embed="rId4"/>
-                <a:stretch>
-                  <a:fillRect/>
-                </a:stretch>
-              </a:blipFill>
-            </p:spPr>
-            <p:txBody>
-              <a:bodyPr/>
-              <a:lstStyle/>
-              <a:p>
-                <a:r>
-                  <a:rPr lang="ja-JP" altLang="en-US">
-                    <a:noFill/>
-                  </a:rPr>
-                  <a:t> </a:t>
-                </a:r>
-              </a:p>
-            </p:txBody>
-          </p:sp>
-        </mc:Fallback>
-      </mc:AlternateContent>
-      <mc:AlternateContent xmlns:mc="http://schemas.openxmlformats.org/markup-compatibility/2006" xmlns:a14="http://schemas.microsoft.com/office/drawing/2010/main">
-        <mc:Choice Requires="a14">
-          <p:sp>
-            <p:nvSpPr>
-              <p:cNvPr id="15" name="テキスト ボックス 14"/>
-              <p:cNvSpPr txBox="1"/>
-              <p:nvPr/>
-            </p:nvSpPr>
-            <p:spPr>
-              <a:xfrm>
-                <a:off x="7668344" y="1597818"/>
-                <a:ext cx="703654" cy="631455"/>
-              </a:xfrm>
-              <a:prstGeom prst="rect">
-                <a:avLst/>
-              </a:prstGeom>
-              <a:noFill/>
-            </p:spPr>
-            <p:txBody>
-              <a:bodyPr wrap="none" lIns="0" tIns="0" rIns="0" bIns="0" rtlCol="0">
-                <a:spAutoFit/>
-              </a:bodyPr>
-              <a:lstStyle/>
-              <a:p>
-                <a:pPr/>
-                <a14:m>
-                  <m:oMathPara xmlns:m="http://schemas.openxmlformats.org/officeDocument/2006/math">
-                    <m:oMathParaPr>
-                      <m:jc m:val="centerGroup"/>
-                    </m:oMathParaPr>
-                    <m:oMath xmlns:m="http://schemas.openxmlformats.org/officeDocument/2006/math">
-                      <m:sSup>
-                        <m:sSupPr>
-                          <m:ctrlPr>
-                            <a:rPr kumimoji="1" lang="el-GR" altLang="ja-JP" sz="4000" b="0" i="1" smtClean="0">
-                              <a:latin typeface="Cambria Math" panose="02040503050406030204" pitchFamily="18" charset="0"/>
-                              <a:ea typeface="Cambria Math" panose="02040503050406030204" pitchFamily="18" charset="0"/>
-                            </a:rPr>
-                          </m:ctrlPr>
-                        </m:sSupPr>
-                        <m:e>
-                          <m:r>
-                            <a:rPr kumimoji="1" lang="en-US" altLang="ja-JP" sz="4000" b="0" i="1" smtClean="0">
-                              <a:latin typeface="Cambria Math" panose="02040503050406030204" pitchFamily="18" charset="0"/>
-                              <a:ea typeface="Cambria Math" panose="02040503050406030204" pitchFamily="18" charset="0"/>
-                            </a:rPr>
-                            <m:t>𝑉</m:t>
-                          </m:r>
-                        </m:e>
-                        <m:sup>
-                          <m:r>
-                            <a:rPr kumimoji="1" lang="el-GR" altLang="ja-JP" sz="4000" b="0" i="1" smtClean="0">
-                              <a:latin typeface="Cambria Math" panose="02040503050406030204" pitchFamily="18" charset="0"/>
-                              <a:ea typeface="Cambria Math" panose="02040503050406030204" pitchFamily="18" charset="0"/>
-                            </a:rPr>
-                            <m:t>†</m:t>
-                          </m:r>
-                        </m:sup>
-                      </m:sSup>
-                    </m:oMath>
-                  </m:oMathPara>
-                </a14:m>
-                <a:endParaRPr kumimoji="1" lang="ja-JP" altLang="en-US" sz="4000" dirty="0"/>
-              </a:p>
-            </p:txBody>
-          </p:sp>
-        </mc:Choice>
-        <mc:Fallback xmlns="">
-          <p:sp>
-            <p:nvSpPr>
-              <p:cNvPr id="15" name="テキスト ボックス 14"/>
-              <p:cNvSpPr txBox="1">
-                <a:spLocks noRot="1" noChangeAspect="1" noMove="1" noResize="1" noEditPoints="1" noAdjustHandles="1" noChangeArrowheads="1" noChangeShapeType="1" noTextEdit="1"/>
-              </p:cNvSpPr>
-              <p:nvPr/>
-            </p:nvSpPr>
-            <p:spPr>
-              <a:xfrm>
-                <a:off x="7668344" y="1597818"/>
-                <a:ext cx="703654" cy="631455"/>
-              </a:xfrm>
-              <a:prstGeom prst="rect">
-                <a:avLst/>
-              </a:prstGeom>
-              <a:blipFill>
-                <a:blip r:embed="rId5"/>
-                <a:stretch>
-                  <a:fillRect/>
-                </a:stretch>
-              </a:blipFill>
-            </p:spPr>
-            <p:txBody>
-              <a:bodyPr/>
-              <a:lstStyle/>
-              <a:p>
-                <a:r>
-                  <a:rPr lang="ja-JP" altLang="en-US">
-                    <a:noFill/>
-                  </a:rPr>
-                  <a:t> </a:t>
-                </a:r>
-              </a:p>
-            </p:txBody>
-          </p:sp>
-        </mc:Fallback>
-      </mc:AlternateContent>
-      <mc:AlternateContent xmlns:mc="http://schemas.openxmlformats.org/markup-compatibility/2006" xmlns:a14="http://schemas.microsoft.com/office/drawing/2010/main">
-        <mc:Choice Requires="a14">
-          <p:sp>
-            <p:nvSpPr>
-              <p:cNvPr id="16" name="テキスト ボックス 15"/>
-              <p:cNvSpPr txBox="1"/>
-              <p:nvPr/>
-            </p:nvSpPr>
-            <p:spPr>
-              <a:xfrm>
-                <a:off x="5508104" y="1643810"/>
-                <a:ext cx="395942" cy="615553"/>
-              </a:xfrm>
-              <a:prstGeom prst="rect">
-                <a:avLst/>
-              </a:prstGeom>
-              <a:noFill/>
-            </p:spPr>
-            <p:txBody>
-              <a:bodyPr wrap="none" lIns="0" tIns="0" rIns="0" bIns="0" rtlCol="0">
-                <a:spAutoFit/>
-              </a:bodyPr>
-              <a:lstStyle/>
-              <a:p>
-                <a:pPr/>
-                <a14:m>
-                  <m:oMathPara xmlns:m="http://schemas.openxmlformats.org/officeDocument/2006/math">
-                    <m:oMathParaPr>
-                      <m:jc m:val="centerGroup"/>
-                    </m:oMathParaPr>
-                    <m:oMath xmlns:m="http://schemas.openxmlformats.org/officeDocument/2006/math">
-                      <m:r>
-                        <m:rPr>
-                          <m:sty m:val="p"/>
-                        </m:rPr>
-                        <a:rPr kumimoji="1" lang="el-GR" altLang="ja-JP" sz="4000" b="0" i="1" smtClean="0">
-                          <a:latin typeface="Cambria Math" panose="02040503050406030204" pitchFamily="18" charset="0"/>
-                          <a:ea typeface="Cambria Math" panose="02040503050406030204" pitchFamily="18" charset="0"/>
-                        </a:rPr>
-                        <m:t>Σ</m:t>
-                      </m:r>
-                    </m:oMath>
-                  </m:oMathPara>
-                </a14:m>
-                <a:endParaRPr kumimoji="1" lang="ja-JP" altLang="en-US" sz="4000" dirty="0"/>
-              </a:p>
-            </p:txBody>
-          </p:sp>
-        </mc:Choice>
-        <mc:Fallback xmlns="">
-          <p:sp>
-            <p:nvSpPr>
-              <p:cNvPr id="16" name="テキスト ボックス 15"/>
-              <p:cNvSpPr txBox="1">
-                <a:spLocks noRot="1" noChangeAspect="1" noMove="1" noResize="1" noEditPoints="1" noAdjustHandles="1" noChangeArrowheads="1" noChangeShapeType="1" noTextEdit="1"/>
-              </p:cNvSpPr>
-              <p:nvPr/>
-            </p:nvSpPr>
-            <p:spPr>
-              <a:xfrm>
-                <a:off x="5508104" y="1643810"/>
-                <a:ext cx="395942" cy="615553"/>
-              </a:xfrm>
-              <a:prstGeom prst="rect">
-                <a:avLst/>
-              </a:prstGeom>
-              <a:blipFill>
-                <a:blip r:embed="rId6"/>
-                <a:stretch>
-                  <a:fillRect/>
-                </a:stretch>
-              </a:blipFill>
-            </p:spPr>
-            <p:txBody>
-              <a:bodyPr/>
-              <a:lstStyle/>
-              <a:p>
-                <a:r>
-                  <a:rPr lang="ja-JP" altLang="en-US">
-                    <a:noFill/>
-                  </a:rPr>
-                  <a:t> </a:t>
-                </a:r>
-              </a:p>
-            </p:txBody>
-          </p:sp>
-        </mc:Fallback>
-      </mc:AlternateContent>
-      <p:sp>
-        <p:nvSpPr>
-          <p:cNvPr id="17" name="正方形/長方形 16"/>
-          <p:cNvSpPr/>
-          <p:nvPr/>
-        </p:nvSpPr>
-        <p:spPr>
-          <a:xfrm>
-            <a:off x="3410790" y="3136371"/>
-            <a:ext cx="1104123" cy="1104123"/>
-          </a:xfrm>
-          <a:prstGeom prst="rect">
-            <a:avLst/>
-          </a:prstGeom>
-          <a:noFill/>
-          <a:ln>
-            <a:solidFill>
-              <a:schemeClr val="tx1"/>
-            </a:solidFill>
-          </a:ln>
-        </p:spPr>
-        <p:style>
-          <a:lnRef idx="2">
-            <a:schemeClr val="accent1">
-              <a:shade val="50000"/>
-            </a:schemeClr>
-          </a:lnRef>
-          <a:fillRef idx="1">
-            <a:schemeClr val="accent1"/>
-          </a:fillRef>
-          <a:effectRef idx="0">
-            <a:schemeClr val="accent1"/>
-          </a:effectRef>
-          <a:fontRef idx="minor">
-            <a:schemeClr val="lt1"/>
-          </a:fontRef>
-        </p:style>
-        <p:txBody>
-          <a:bodyPr rtlCol="0" anchor="ctr"/>
-          <a:lstStyle/>
-          <a:p>
-            <a:pPr algn="ctr"/>
-            <a:endParaRPr kumimoji="1" lang="ja-JP" altLang="en-US"/>
-          </a:p>
-        </p:txBody>
-      </p:sp>
-      <mc:AlternateContent xmlns:mc="http://schemas.openxmlformats.org/markup-compatibility/2006" xmlns:a14="http://schemas.microsoft.com/office/drawing/2010/main">
-        <mc:Choice Requires="a14">
-          <p:sp>
-            <p:nvSpPr>
-              <p:cNvPr id="18" name="テキスト ボックス 17"/>
-              <p:cNvSpPr txBox="1"/>
-              <p:nvPr/>
-            </p:nvSpPr>
-            <p:spPr>
-              <a:xfrm>
-                <a:off x="3419420" y="3346383"/>
-                <a:ext cx="1095493" cy="684098"/>
-              </a:xfrm>
-              <a:prstGeom prst="rect">
-                <a:avLst/>
-              </a:prstGeom>
-              <a:noFill/>
-            </p:spPr>
-            <p:txBody>
-              <a:bodyPr wrap="none" lIns="0" tIns="0" rIns="0" bIns="0" rtlCol="0">
-                <a:spAutoFit/>
-              </a:bodyPr>
-              <a:lstStyle/>
-              <a:p>
-                <a:pPr/>
-                <a14:m>
-                  <m:oMathPara xmlns:m="http://schemas.openxmlformats.org/officeDocument/2006/math">
-                    <m:oMathParaPr>
-                      <m:jc m:val="centerGroup"/>
-                    </m:oMathParaPr>
-                    <m:oMath xmlns:m="http://schemas.openxmlformats.org/officeDocument/2006/math">
-                      <m:r>
-                        <a:rPr kumimoji="1" lang="en-US" altLang="ja-JP" sz="4000" b="0" i="1" smtClean="0">
-                          <a:latin typeface="Cambria Math" panose="02040503050406030204" pitchFamily="18" charset="0"/>
-                        </a:rPr>
-                        <m:t>𝑈</m:t>
-                      </m:r>
-                      <m:rad>
-                        <m:radPr>
-                          <m:degHide m:val="on"/>
-                          <m:ctrlPr>
-                            <a:rPr kumimoji="1" lang="en-US" altLang="ja-JP" sz="4000" b="0" i="1" smtClean="0">
-                              <a:latin typeface="Cambria Math" panose="02040503050406030204" pitchFamily="18" charset="0"/>
-                            </a:rPr>
-                          </m:ctrlPr>
-                        </m:radPr>
-                        <m:deg/>
-                        <m:e>
-                          <m:r>
-                            <m:rPr>
-                              <m:sty m:val="p"/>
-                            </m:rPr>
-                            <a:rPr kumimoji="1" lang="el-GR" altLang="ja-JP" sz="4000" b="0" i="1" smtClean="0">
-                              <a:latin typeface="Cambria Math" panose="02040503050406030204" pitchFamily="18" charset="0"/>
-                              <a:ea typeface="Cambria Math" panose="02040503050406030204" pitchFamily="18" charset="0"/>
-                            </a:rPr>
-                            <m:t>Σ</m:t>
-                          </m:r>
-                        </m:e>
-                      </m:rad>
-                    </m:oMath>
-                  </m:oMathPara>
-                </a14:m>
-                <a:endParaRPr kumimoji="1" lang="ja-JP" altLang="en-US" sz="4000" dirty="0"/>
-              </a:p>
-            </p:txBody>
-          </p:sp>
-        </mc:Choice>
-        <mc:Fallback xmlns="">
-          <p:sp>
-            <p:nvSpPr>
-              <p:cNvPr id="18" name="テキスト ボックス 17"/>
-              <p:cNvSpPr txBox="1">
-                <a:spLocks noRot="1" noChangeAspect="1" noMove="1" noResize="1" noEditPoints="1" noAdjustHandles="1" noChangeArrowheads="1" noChangeShapeType="1" noTextEdit="1"/>
-              </p:cNvSpPr>
-              <p:nvPr/>
-            </p:nvSpPr>
-            <p:spPr>
-              <a:xfrm>
-                <a:off x="3419420" y="3346383"/>
-                <a:ext cx="1095493" cy="684098"/>
-              </a:xfrm>
-              <a:prstGeom prst="rect">
-                <a:avLst/>
-              </a:prstGeom>
-              <a:blipFill>
-                <a:blip r:embed="rId7"/>
-                <a:stretch>
-                  <a:fillRect/>
-                </a:stretch>
-              </a:blipFill>
-            </p:spPr>
-            <p:txBody>
-              <a:bodyPr/>
-              <a:lstStyle/>
-              <a:p>
-                <a:r>
-                  <a:rPr lang="ja-JP" altLang="en-US">
-                    <a:noFill/>
-                  </a:rPr>
-                  <a:t> </a:t>
-                </a:r>
-              </a:p>
-            </p:txBody>
-          </p:sp>
-        </mc:Fallback>
-      </mc:AlternateContent>
-      <p:sp>
-        <p:nvSpPr>
-          <p:cNvPr id="19" name="正方形/長方形 18"/>
-          <p:cNvSpPr/>
-          <p:nvPr/>
-        </p:nvSpPr>
-        <p:spPr>
-          <a:xfrm>
-            <a:off x="5059412" y="2860230"/>
-            <a:ext cx="1658935" cy="1656404"/>
-          </a:xfrm>
-          <a:prstGeom prst="rect">
-            <a:avLst/>
-          </a:prstGeom>
-          <a:noFill/>
-          <a:ln>
-            <a:solidFill>
-              <a:schemeClr val="tx1"/>
-            </a:solidFill>
-          </a:ln>
-        </p:spPr>
-        <p:style>
-          <a:lnRef idx="2">
-            <a:schemeClr val="accent1">
-              <a:shade val="50000"/>
-            </a:schemeClr>
-          </a:lnRef>
-          <a:fillRef idx="1">
-            <a:schemeClr val="accent1"/>
-          </a:fillRef>
-          <a:effectRef idx="0">
-            <a:schemeClr val="accent1"/>
-          </a:effectRef>
-          <a:fontRef idx="minor">
-            <a:schemeClr val="lt1"/>
-          </a:fontRef>
-        </p:style>
-        <p:txBody>
-          <a:bodyPr rtlCol="0" anchor="ctr"/>
-          <a:lstStyle/>
-          <a:p>
-            <a:pPr algn="ctr"/>
-            <a:endParaRPr kumimoji="1" lang="ja-JP" altLang="en-US"/>
-          </a:p>
-        </p:txBody>
-      </p:sp>
-      <p:sp>
-        <p:nvSpPr>
-          <p:cNvPr id="20" name="テキスト ボックス 19"/>
-          <p:cNvSpPr txBox="1"/>
-          <p:nvPr/>
-        </p:nvSpPr>
-        <p:spPr>
-          <a:xfrm>
-            <a:off x="4604747" y="3396045"/>
-            <a:ext cx="408460" cy="584775"/>
-          </a:xfrm>
-          <a:prstGeom prst="rect">
-            <a:avLst/>
-          </a:prstGeom>
-          <a:noFill/>
-        </p:spPr>
-        <p:txBody>
-          <a:bodyPr wrap="square" rtlCol="0">
-            <a:spAutoFit/>
-          </a:bodyPr>
-          <a:lstStyle/>
-          <a:p>
-            <a:r>
-              <a:rPr kumimoji="1" lang="en-US" altLang="ja-JP" sz="3200" dirty="0"/>
-              <a:t>x</a:t>
-            </a:r>
-            <a:endParaRPr kumimoji="1" lang="ja-JP" altLang="en-US" sz="3200" dirty="0"/>
-          </a:p>
-        </p:txBody>
-      </p:sp>
-      <mc:AlternateContent xmlns:mc="http://schemas.openxmlformats.org/markup-compatibility/2006" xmlns:a14="http://schemas.microsoft.com/office/drawing/2010/main">
-        <mc:Choice Requires="a14">
-          <p:sp>
-            <p:nvSpPr>
-              <p:cNvPr id="21" name="テキスト ボックス 20"/>
-              <p:cNvSpPr txBox="1"/>
-              <p:nvPr/>
-            </p:nvSpPr>
-            <p:spPr>
-              <a:xfrm>
-                <a:off x="5202980" y="3346383"/>
-                <a:ext cx="1321067" cy="684098"/>
-              </a:xfrm>
-              <a:prstGeom prst="rect">
-                <a:avLst/>
-              </a:prstGeom>
-              <a:noFill/>
-            </p:spPr>
-            <p:txBody>
-              <a:bodyPr wrap="none" lIns="0" tIns="0" rIns="0" bIns="0" rtlCol="0">
-                <a:spAutoFit/>
-              </a:bodyPr>
-              <a:lstStyle/>
-              <a:p>
-                <a:pPr/>
-                <a14:m>
-                  <m:oMathPara xmlns:m="http://schemas.openxmlformats.org/officeDocument/2006/math">
-                    <m:oMathParaPr>
-                      <m:jc m:val="centerGroup"/>
-                    </m:oMathParaPr>
-                    <m:oMath xmlns:m="http://schemas.openxmlformats.org/officeDocument/2006/math">
-                      <m:rad>
-                        <m:radPr>
-                          <m:degHide m:val="on"/>
-                          <m:ctrlPr>
-                            <a:rPr lang="en-US" altLang="ja-JP" sz="4000" i="1">
-                              <a:latin typeface="Cambria Math" panose="02040503050406030204" pitchFamily="18" charset="0"/>
-                            </a:rPr>
-                          </m:ctrlPr>
-                        </m:radPr>
-                        <m:deg/>
-                        <m:e>
-                          <m:r>
-                            <m:rPr>
-                              <m:sty m:val="p"/>
-                            </m:rPr>
-                            <a:rPr lang="el-GR" altLang="ja-JP" sz="4000" i="1">
-                              <a:latin typeface="Cambria Math" panose="02040503050406030204" pitchFamily="18" charset="0"/>
-                              <a:ea typeface="Cambria Math" panose="02040503050406030204" pitchFamily="18" charset="0"/>
-                            </a:rPr>
-                            <m:t>Σ</m:t>
-                          </m:r>
-                        </m:e>
-                      </m:rad>
-                      <m:sSup>
-                        <m:sSupPr>
-                          <m:ctrlPr>
-                            <a:rPr kumimoji="1" lang="el-GR" altLang="ja-JP" sz="4000" b="0" i="1" smtClean="0">
-                              <a:latin typeface="Cambria Math" panose="02040503050406030204" pitchFamily="18" charset="0"/>
-                              <a:ea typeface="Cambria Math" panose="02040503050406030204" pitchFamily="18" charset="0"/>
-                            </a:rPr>
-                          </m:ctrlPr>
-                        </m:sSupPr>
-                        <m:e>
-                          <m:r>
-                            <a:rPr kumimoji="1" lang="en-US" altLang="ja-JP" sz="4000" b="0" i="1" smtClean="0">
-                              <a:latin typeface="Cambria Math" panose="02040503050406030204" pitchFamily="18" charset="0"/>
-                              <a:ea typeface="Cambria Math" panose="02040503050406030204" pitchFamily="18" charset="0"/>
-                            </a:rPr>
-                            <m:t>𝑉</m:t>
-                          </m:r>
-                        </m:e>
-                        <m:sup>
-                          <m:r>
-                            <a:rPr kumimoji="1" lang="el-GR" altLang="ja-JP" sz="4000" b="0" i="1" smtClean="0">
-                              <a:latin typeface="Cambria Math" panose="02040503050406030204" pitchFamily="18" charset="0"/>
-                              <a:ea typeface="Cambria Math" panose="02040503050406030204" pitchFamily="18" charset="0"/>
-                            </a:rPr>
-                            <m:t>†</m:t>
-                          </m:r>
-                        </m:sup>
-                      </m:sSup>
-                    </m:oMath>
-                  </m:oMathPara>
-                </a14:m>
-                <a:endParaRPr kumimoji="1" lang="ja-JP" altLang="en-US" sz="4000" dirty="0"/>
-              </a:p>
-            </p:txBody>
-          </p:sp>
-        </mc:Choice>
-        <mc:Fallback xmlns="">
-          <p:sp>
-            <p:nvSpPr>
-              <p:cNvPr id="21" name="テキスト ボックス 20"/>
-              <p:cNvSpPr txBox="1">
-                <a:spLocks noRot="1" noChangeAspect="1" noMove="1" noResize="1" noEditPoints="1" noAdjustHandles="1" noChangeArrowheads="1" noChangeShapeType="1" noTextEdit="1"/>
-              </p:cNvSpPr>
-              <p:nvPr/>
-            </p:nvSpPr>
-            <p:spPr>
-              <a:xfrm>
-                <a:off x="5202980" y="3346383"/>
-                <a:ext cx="1321067" cy="684098"/>
-              </a:xfrm>
-              <a:prstGeom prst="rect">
-                <a:avLst/>
-              </a:prstGeom>
-              <a:blipFill>
-                <a:blip r:embed="rId8"/>
-                <a:stretch>
-                  <a:fillRect/>
-                </a:stretch>
-              </a:blipFill>
-            </p:spPr>
-            <p:txBody>
-              <a:bodyPr/>
-              <a:lstStyle/>
-              <a:p>
-                <a:r>
-                  <a:rPr lang="ja-JP" altLang="en-US">
-                    <a:noFill/>
-                  </a:rPr>
-                  <a:t> </a:t>
-                </a:r>
-              </a:p>
-            </p:txBody>
-          </p:sp>
-        </mc:Fallback>
-      </mc:AlternateContent>
-      <p:sp>
-        <p:nvSpPr>
-          <p:cNvPr id="22" name="テキスト ボックス 21"/>
-          <p:cNvSpPr txBox="1"/>
-          <p:nvPr/>
-        </p:nvSpPr>
-        <p:spPr>
-          <a:xfrm>
-            <a:off x="2748691" y="3292278"/>
-            <a:ext cx="389850" cy="584775"/>
-          </a:xfrm>
-          <a:prstGeom prst="rect">
-            <a:avLst/>
-          </a:prstGeom>
-          <a:noFill/>
-        </p:spPr>
-        <p:txBody>
-          <a:bodyPr wrap="none" rtlCol="0">
-            <a:spAutoFit/>
-          </a:bodyPr>
-          <a:lstStyle/>
-          <a:p>
-            <a:r>
-              <a:rPr lang="en-US" altLang="ja-JP" sz="3200" dirty="0"/>
-              <a:t>=</a:t>
-            </a:r>
-            <a:endParaRPr kumimoji="1" lang="ja-JP" altLang="en-US" sz="3200" dirty="0"/>
-          </a:p>
-        </p:txBody>
-      </p:sp>
-      <p:sp>
-        <p:nvSpPr>
-          <p:cNvPr id="23" name="正方形/長方形 22"/>
-          <p:cNvSpPr/>
-          <p:nvPr/>
-        </p:nvSpPr>
-        <p:spPr>
-          <a:xfrm>
-            <a:off x="755576" y="5349213"/>
-            <a:ext cx="1656184" cy="1104123"/>
-          </a:xfrm>
-          <a:prstGeom prst="rect">
-            <a:avLst/>
-          </a:prstGeom>
-          <a:noFill/>
-          <a:ln>
-            <a:solidFill>
-              <a:schemeClr val="tx1"/>
-            </a:solidFill>
-          </a:ln>
-        </p:spPr>
-        <p:style>
-          <a:lnRef idx="2">
-            <a:schemeClr val="accent1">
-              <a:shade val="50000"/>
-            </a:schemeClr>
-          </a:lnRef>
-          <a:fillRef idx="1">
-            <a:schemeClr val="accent1"/>
-          </a:fillRef>
-          <a:effectRef idx="0">
-            <a:schemeClr val="accent1"/>
-          </a:effectRef>
-          <a:fontRef idx="minor">
-            <a:schemeClr val="lt1"/>
-          </a:fontRef>
-        </p:style>
-        <p:txBody>
-          <a:bodyPr rtlCol="0" anchor="ctr"/>
-          <a:lstStyle/>
-          <a:p>
-            <a:pPr algn="ctr"/>
-            <a:endParaRPr kumimoji="1" lang="ja-JP" altLang="en-US" dirty="0"/>
-          </a:p>
-        </p:txBody>
-      </p:sp>
-      <mc:AlternateContent xmlns:mc="http://schemas.openxmlformats.org/markup-compatibility/2006" xmlns:a14="http://schemas.microsoft.com/office/drawing/2010/main">
-        <mc:Choice Requires="a14">
-          <p:sp>
-            <p:nvSpPr>
-              <p:cNvPr id="24" name="テキスト ボックス 23"/>
-              <p:cNvSpPr txBox="1"/>
-              <p:nvPr/>
-            </p:nvSpPr>
-            <p:spPr>
-              <a:xfrm>
-                <a:off x="1354598" y="5572799"/>
-                <a:ext cx="458138" cy="626646"/>
-              </a:xfrm>
-              <a:prstGeom prst="rect">
-                <a:avLst/>
-              </a:prstGeom>
-              <a:noFill/>
-            </p:spPr>
-            <p:txBody>
-              <a:bodyPr wrap="none" lIns="0" tIns="0" rIns="0" bIns="0" rtlCol="0">
-                <a:spAutoFit/>
-              </a:bodyPr>
-              <a:lstStyle/>
-              <a:p>
-                <a:pPr/>
-                <a14:m>
-                  <m:oMathPara xmlns:m="http://schemas.openxmlformats.org/officeDocument/2006/math">
-                    <m:oMathParaPr>
-                      <m:jc m:val="centerGroup"/>
-                    </m:oMathParaPr>
-                    <m:oMath xmlns:m="http://schemas.openxmlformats.org/officeDocument/2006/math">
-                      <m:acc>
-                        <m:accPr>
-                          <m:chr m:val="̃"/>
-                          <m:ctrlPr>
-                            <a:rPr kumimoji="1" lang="en-US" altLang="ja-JP" sz="4000" b="0" i="1" smtClean="0">
-                              <a:latin typeface="Cambria Math" panose="02040503050406030204" pitchFamily="18" charset="0"/>
-                            </a:rPr>
-                          </m:ctrlPr>
-                        </m:accPr>
-                        <m:e>
-                          <m:r>
-                            <a:rPr kumimoji="1" lang="en-US" altLang="ja-JP" sz="4000" b="0" i="1" smtClean="0">
-                              <a:latin typeface="Cambria Math" panose="02040503050406030204" pitchFamily="18" charset="0"/>
-                            </a:rPr>
-                            <m:t>𝑋</m:t>
-                          </m:r>
-                        </m:e>
-                      </m:acc>
-                    </m:oMath>
-                  </m:oMathPara>
-                </a14:m>
-                <a:endParaRPr kumimoji="1" lang="ja-JP" altLang="en-US" sz="4000" dirty="0"/>
-              </a:p>
-            </p:txBody>
-          </p:sp>
-        </mc:Choice>
-        <mc:Fallback xmlns="">
-          <p:sp>
-            <p:nvSpPr>
-              <p:cNvPr id="24" name="テキスト ボックス 23"/>
-              <p:cNvSpPr txBox="1">
-                <a:spLocks noRot="1" noChangeAspect="1" noMove="1" noResize="1" noEditPoints="1" noAdjustHandles="1" noChangeArrowheads="1" noChangeShapeType="1" noTextEdit="1"/>
-              </p:cNvSpPr>
-              <p:nvPr/>
-            </p:nvSpPr>
-            <p:spPr>
-              <a:xfrm>
-                <a:off x="1354598" y="5572799"/>
-                <a:ext cx="458138" cy="626646"/>
-              </a:xfrm>
-              <a:prstGeom prst="rect">
-                <a:avLst/>
-              </a:prstGeom>
-              <a:blipFill>
-                <a:blip r:embed="rId9"/>
-                <a:stretch>
-                  <a:fillRect/>
-                </a:stretch>
-              </a:blipFill>
-            </p:spPr>
-            <p:txBody>
-              <a:bodyPr/>
-              <a:lstStyle/>
-              <a:p>
-                <a:r>
-                  <a:rPr lang="ja-JP" altLang="en-US">
-                    <a:noFill/>
-                  </a:rPr>
-                  <a:t> </a:t>
-                </a:r>
-              </a:p>
-            </p:txBody>
-          </p:sp>
-        </mc:Fallback>
-      </mc:AlternateContent>
-      <p:sp>
-        <p:nvSpPr>
-          <p:cNvPr id="25" name="テキスト ボックス 24"/>
-          <p:cNvSpPr txBox="1"/>
-          <p:nvPr/>
-        </p:nvSpPr>
-        <p:spPr>
-          <a:xfrm>
-            <a:off x="2699792" y="5589240"/>
-            <a:ext cx="389850" cy="584775"/>
-          </a:xfrm>
-          <a:prstGeom prst="rect">
-            <a:avLst/>
-          </a:prstGeom>
-          <a:noFill/>
-        </p:spPr>
-        <p:txBody>
-          <a:bodyPr wrap="none" rtlCol="0">
-            <a:spAutoFit/>
-          </a:bodyPr>
-          <a:lstStyle/>
-          <a:p>
-            <a:r>
-              <a:rPr lang="en-US" altLang="ja-JP" sz="3200" dirty="0"/>
-              <a:t>=</a:t>
-            </a:r>
-            <a:endParaRPr kumimoji="1" lang="ja-JP" altLang="en-US" sz="3200" dirty="0"/>
-          </a:p>
-        </p:txBody>
-      </p:sp>
-      <p:sp>
-        <p:nvSpPr>
-          <p:cNvPr id="26" name="正方形/長方形 25"/>
-          <p:cNvSpPr/>
-          <p:nvPr/>
-        </p:nvSpPr>
-        <p:spPr>
-          <a:xfrm>
-            <a:off x="3331213" y="5417721"/>
-            <a:ext cx="1104123" cy="1104123"/>
-          </a:xfrm>
-          <a:prstGeom prst="rect">
-            <a:avLst/>
-          </a:prstGeom>
-          <a:noFill/>
-          <a:ln>
-            <a:solidFill>
-              <a:schemeClr val="tx1"/>
-            </a:solidFill>
-          </a:ln>
-        </p:spPr>
-        <p:style>
-          <a:lnRef idx="2">
-            <a:schemeClr val="accent1">
-              <a:shade val="50000"/>
-            </a:schemeClr>
-          </a:lnRef>
-          <a:fillRef idx="1">
-            <a:schemeClr val="accent1"/>
-          </a:fillRef>
-          <a:effectRef idx="0">
-            <a:schemeClr val="accent1"/>
-          </a:effectRef>
-          <a:fontRef idx="minor">
-            <a:schemeClr val="lt1"/>
-          </a:fontRef>
-        </p:style>
-        <p:txBody>
-          <a:bodyPr rtlCol="0" anchor="ctr"/>
-          <a:lstStyle/>
-          <a:p>
-            <a:pPr algn="ctr"/>
-            <a:endParaRPr kumimoji="1" lang="ja-JP" altLang="en-US"/>
-          </a:p>
-        </p:txBody>
-      </p:sp>
-      <p:sp>
-        <p:nvSpPr>
-          <p:cNvPr id="28" name="正方形/長方形 27"/>
-          <p:cNvSpPr/>
-          <p:nvPr/>
-        </p:nvSpPr>
-        <p:spPr>
-          <a:xfrm>
-            <a:off x="4979835" y="5141580"/>
-            <a:ext cx="1658935" cy="1656404"/>
-          </a:xfrm>
-          <a:prstGeom prst="rect">
-            <a:avLst/>
-          </a:prstGeom>
-          <a:noFill/>
-          <a:ln>
-            <a:solidFill>
-              <a:schemeClr val="tx1"/>
-            </a:solidFill>
-          </a:ln>
-        </p:spPr>
-        <p:style>
-          <a:lnRef idx="2">
-            <a:schemeClr val="accent1">
-              <a:shade val="50000"/>
-            </a:schemeClr>
-          </a:lnRef>
-          <a:fillRef idx="1">
-            <a:schemeClr val="accent1"/>
-          </a:fillRef>
-          <a:effectRef idx="0">
-            <a:schemeClr val="accent1"/>
-          </a:effectRef>
-          <a:fontRef idx="minor">
-            <a:schemeClr val="lt1"/>
-          </a:fontRef>
-        </p:style>
-        <p:txBody>
-          <a:bodyPr rtlCol="0" anchor="ctr"/>
-          <a:lstStyle/>
-          <a:p>
-            <a:pPr algn="ctr"/>
-            <a:endParaRPr kumimoji="1" lang="ja-JP" altLang="en-US"/>
-          </a:p>
-        </p:txBody>
-      </p:sp>
-      <p:sp>
-        <p:nvSpPr>
-          <p:cNvPr id="29" name="テキスト ボックス 28"/>
-          <p:cNvSpPr txBox="1"/>
-          <p:nvPr/>
-        </p:nvSpPr>
-        <p:spPr>
-          <a:xfrm>
-            <a:off x="4525170" y="5677395"/>
-            <a:ext cx="408460" cy="584775"/>
-          </a:xfrm>
-          <a:prstGeom prst="rect">
-            <a:avLst/>
-          </a:prstGeom>
-          <a:noFill/>
-        </p:spPr>
-        <p:txBody>
-          <a:bodyPr wrap="square" rtlCol="0">
-            <a:spAutoFit/>
-          </a:bodyPr>
-          <a:lstStyle/>
-          <a:p>
-            <a:r>
-              <a:rPr kumimoji="1" lang="en-US" altLang="ja-JP" sz="3200" dirty="0"/>
-              <a:t>x</a:t>
-            </a:r>
-            <a:endParaRPr kumimoji="1" lang="ja-JP" altLang="en-US" sz="3200" dirty="0"/>
-          </a:p>
-        </p:txBody>
-      </p:sp>
-      <p:sp>
-        <p:nvSpPr>
-          <p:cNvPr id="31" name="正方形/長方形 30"/>
-          <p:cNvSpPr/>
-          <p:nvPr/>
-        </p:nvSpPr>
-        <p:spPr>
-          <a:xfrm>
-            <a:off x="3331213" y="5417721"/>
-            <a:ext cx="232675" cy="1104123"/>
-          </a:xfrm>
-          <a:prstGeom prst="rect">
-            <a:avLst/>
-          </a:prstGeom>
-          <a:solidFill>
-            <a:srgbClr val="FF0000"/>
-          </a:solidFill>
-          <a:ln>
-            <a:solidFill>
-              <a:schemeClr val="tx1"/>
-            </a:solidFill>
-          </a:ln>
-        </p:spPr>
-        <p:style>
-          <a:lnRef idx="2">
-            <a:schemeClr val="accent1">
-              <a:shade val="50000"/>
-            </a:schemeClr>
-          </a:lnRef>
-          <a:fillRef idx="1">
-            <a:schemeClr val="accent1"/>
-          </a:fillRef>
-          <a:effectRef idx="0">
-            <a:schemeClr val="accent1"/>
-          </a:effectRef>
-          <a:fontRef idx="minor">
-            <a:schemeClr val="lt1"/>
-          </a:fontRef>
-        </p:style>
-        <p:txBody>
-          <a:bodyPr rtlCol="0" anchor="ctr"/>
-          <a:lstStyle/>
-          <a:p>
-            <a:pPr algn="ctr"/>
-            <a:endParaRPr kumimoji="1" lang="ja-JP" altLang="en-US"/>
-          </a:p>
-        </p:txBody>
-      </p:sp>
-      <p:sp>
-        <p:nvSpPr>
-          <p:cNvPr id="32" name="正方形/長方形 31"/>
-          <p:cNvSpPr/>
-          <p:nvPr/>
-        </p:nvSpPr>
-        <p:spPr>
-          <a:xfrm>
-            <a:off x="4979835" y="5141580"/>
-            <a:ext cx="1658934" cy="245984"/>
-          </a:xfrm>
-          <a:prstGeom prst="rect">
-            <a:avLst/>
-          </a:prstGeom>
-          <a:solidFill>
-            <a:srgbClr val="0070C0"/>
-          </a:solidFill>
-          <a:ln>
-            <a:solidFill>
-              <a:schemeClr val="tx1"/>
-            </a:solidFill>
-          </a:ln>
-        </p:spPr>
-        <p:style>
-          <a:lnRef idx="2">
-            <a:schemeClr val="accent1">
-              <a:shade val="50000"/>
-            </a:schemeClr>
-          </a:lnRef>
-          <a:fillRef idx="1">
-            <a:schemeClr val="accent1"/>
-          </a:fillRef>
-          <a:effectRef idx="0">
-            <a:schemeClr val="accent1"/>
-          </a:effectRef>
-          <a:fontRef idx="minor">
-            <a:schemeClr val="lt1"/>
-          </a:fontRef>
-        </p:style>
-        <p:txBody>
-          <a:bodyPr rtlCol="0" anchor="ctr"/>
-          <a:lstStyle/>
-          <a:p>
-            <a:pPr algn="ctr"/>
-            <a:endParaRPr kumimoji="1" lang="ja-JP" altLang="en-US"/>
-          </a:p>
-        </p:txBody>
-      </p:sp>
-      <mc:AlternateContent xmlns:mc="http://schemas.openxmlformats.org/markup-compatibility/2006" xmlns:a14="http://schemas.microsoft.com/office/drawing/2010/main">
-        <mc:Choice Requires="a14">
-          <p:sp>
-            <p:nvSpPr>
-              <p:cNvPr id="33" name="テキスト ボックス 32"/>
-              <p:cNvSpPr txBox="1"/>
-              <p:nvPr/>
-            </p:nvSpPr>
-            <p:spPr>
-              <a:xfrm>
-                <a:off x="3313493" y="5589240"/>
-                <a:ext cx="1095493" cy="684098"/>
-              </a:xfrm>
-              <a:prstGeom prst="rect">
-                <a:avLst/>
-              </a:prstGeom>
-              <a:noFill/>
-            </p:spPr>
-            <p:txBody>
-              <a:bodyPr wrap="none" lIns="0" tIns="0" rIns="0" bIns="0" rtlCol="0">
-                <a:spAutoFit/>
-              </a:bodyPr>
-              <a:lstStyle/>
-              <a:p>
-                <a:pPr/>
-                <a14:m>
-                  <m:oMathPara xmlns:m="http://schemas.openxmlformats.org/officeDocument/2006/math">
-                    <m:oMathParaPr>
-                      <m:jc m:val="centerGroup"/>
-                    </m:oMathParaPr>
-                    <m:oMath xmlns:m="http://schemas.openxmlformats.org/officeDocument/2006/math">
-                      <m:r>
-                        <a:rPr kumimoji="1" lang="en-US" altLang="ja-JP" sz="4000" b="0" i="1" smtClean="0">
-                          <a:solidFill>
-                            <a:schemeClr val="bg1">
-                              <a:lumMod val="75000"/>
-                            </a:schemeClr>
-                          </a:solidFill>
-                          <a:latin typeface="Cambria Math" panose="02040503050406030204" pitchFamily="18" charset="0"/>
-                        </a:rPr>
-                        <m:t>𝑈</m:t>
-                      </m:r>
-                      <m:rad>
-                        <m:radPr>
-                          <m:degHide m:val="on"/>
-                          <m:ctrlPr>
-                            <a:rPr kumimoji="1" lang="en-US" altLang="ja-JP" sz="4000" b="0" i="1" smtClean="0">
-                              <a:solidFill>
-                                <a:schemeClr val="bg1">
-                                  <a:lumMod val="75000"/>
-                                </a:schemeClr>
-                              </a:solidFill>
-                              <a:latin typeface="Cambria Math" panose="02040503050406030204" pitchFamily="18" charset="0"/>
-                            </a:rPr>
-                          </m:ctrlPr>
-                        </m:radPr>
-                        <m:deg/>
-                        <m:e>
-                          <m:r>
-                            <m:rPr>
-                              <m:sty m:val="p"/>
-                            </m:rPr>
-                            <a:rPr kumimoji="1" lang="el-GR" altLang="ja-JP" sz="4000" b="0" i="1" smtClean="0">
-                              <a:solidFill>
-                                <a:schemeClr val="bg1">
-                                  <a:lumMod val="75000"/>
-                                </a:schemeClr>
-                              </a:solidFill>
-                              <a:latin typeface="Cambria Math" panose="02040503050406030204" pitchFamily="18" charset="0"/>
-                              <a:ea typeface="Cambria Math" panose="02040503050406030204" pitchFamily="18" charset="0"/>
-                            </a:rPr>
-                            <m:t>Σ</m:t>
-                          </m:r>
-                        </m:e>
-                      </m:rad>
-                    </m:oMath>
-                  </m:oMathPara>
-                </a14:m>
-                <a:endParaRPr kumimoji="1" lang="ja-JP" altLang="en-US" sz="4000" dirty="0">
-                  <a:solidFill>
-                    <a:schemeClr val="bg1">
-                      <a:lumMod val="75000"/>
-                    </a:schemeClr>
-                  </a:solidFill>
-                </a:endParaRPr>
-              </a:p>
-            </p:txBody>
-          </p:sp>
-        </mc:Choice>
-        <mc:Fallback xmlns="">
-          <p:sp>
-            <p:nvSpPr>
-              <p:cNvPr id="33" name="テキスト ボックス 32"/>
-              <p:cNvSpPr txBox="1">
-                <a:spLocks noRot="1" noChangeAspect="1" noMove="1" noResize="1" noEditPoints="1" noAdjustHandles="1" noChangeArrowheads="1" noChangeShapeType="1" noTextEdit="1"/>
-              </p:cNvSpPr>
-              <p:nvPr/>
-            </p:nvSpPr>
-            <p:spPr>
-              <a:xfrm>
-                <a:off x="3313493" y="5589240"/>
-                <a:ext cx="1095493" cy="684098"/>
-              </a:xfrm>
-              <a:prstGeom prst="rect">
-                <a:avLst/>
-              </a:prstGeom>
-              <a:blipFill>
-                <a:blip r:embed="rId10"/>
-                <a:stretch>
-                  <a:fillRect/>
-                </a:stretch>
-              </a:blipFill>
-            </p:spPr>
-            <p:txBody>
-              <a:bodyPr/>
-              <a:lstStyle/>
-              <a:p>
-                <a:r>
-                  <a:rPr lang="ja-JP" altLang="en-US">
-                    <a:noFill/>
-                  </a:rPr>
-                  <a:t> </a:t>
-                </a:r>
-              </a:p>
-            </p:txBody>
-          </p:sp>
-        </mc:Fallback>
-      </mc:AlternateContent>
-      <mc:AlternateContent xmlns:mc="http://schemas.openxmlformats.org/markup-compatibility/2006" xmlns:a14="http://schemas.microsoft.com/office/drawing/2010/main">
-        <mc:Choice Requires="a14">
-          <p:sp>
-            <p:nvSpPr>
-              <p:cNvPr id="34" name="テキスト ボックス 33"/>
-              <p:cNvSpPr txBox="1"/>
-              <p:nvPr/>
-            </p:nvSpPr>
-            <p:spPr>
-              <a:xfrm>
-                <a:off x="5195149" y="5627733"/>
-                <a:ext cx="1321067" cy="684098"/>
-              </a:xfrm>
-              <a:prstGeom prst="rect">
-                <a:avLst/>
-              </a:prstGeom>
-              <a:noFill/>
-            </p:spPr>
-            <p:txBody>
-              <a:bodyPr wrap="none" lIns="0" tIns="0" rIns="0" bIns="0" rtlCol="0">
-                <a:spAutoFit/>
-              </a:bodyPr>
-              <a:lstStyle/>
-              <a:p>
-                <a:pPr/>
-                <a14:m>
-                  <m:oMathPara xmlns:m="http://schemas.openxmlformats.org/officeDocument/2006/math">
-                    <m:oMathParaPr>
-                      <m:jc m:val="centerGroup"/>
-                    </m:oMathParaPr>
-                    <m:oMath xmlns:m="http://schemas.openxmlformats.org/officeDocument/2006/math">
-                      <m:rad>
-                        <m:radPr>
-                          <m:degHide m:val="on"/>
-                          <m:ctrlPr>
-                            <a:rPr lang="en-US" altLang="ja-JP" sz="4000" i="1" smtClean="0">
-                              <a:solidFill>
-                                <a:schemeClr val="bg1">
-                                  <a:lumMod val="75000"/>
-                                </a:schemeClr>
-                              </a:solidFill>
-                              <a:latin typeface="Cambria Math" panose="02040503050406030204" pitchFamily="18" charset="0"/>
-                            </a:rPr>
-                          </m:ctrlPr>
-                        </m:radPr>
-                        <m:deg/>
-                        <m:e>
-                          <m:r>
-                            <m:rPr>
-                              <m:sty m:val="p"/>
-                            </m:rPr>
-                            <a:rPr lang="el-GR" altLang="ja-JP" sz="4000" i="1">
-                              <a:solidFill>
-                                <a:schemeClr val="bg1">
-                                  <a:lumMod val="75000"/>
-                                </a:schemeClr>
-                              </a:solidFill>
-                              <a:latin typeface="Cambria Math" panose="02040503050406030204" pitchFamily="18" charset="0"/>
-                              <a:ea typeface="Cambria Math" panose="02040503050406030204" pitchFamily="18" charset="0"/>
-                            </a:rPr>
-                            <m:t>Σ</m:t>
-                          </m:r>
-                        </m:e>
-                      </m:rad>
-                      <m:sSup>
-                        <m:sSupPr>
-                          <m:ctrlPr>
-                            <a:rPr kumimoji="1" lang="el-GR" altLang="ja-JP" sz="4000" b="0" i="1" smtClean="0">
-                              <a:solidFill>
-                                <a:schemeClr val="bg1">
-                                  <a:lumMod val="75000"/>
-                                </a:schemeClr>
-                              </a:solidFill>
-                              <a:latin typeface="Cambria Math" panose="02040503050406030204" pitchFamily="18" charset="0"/>
-                              <a:ea typeface="Cambria Math" panose="02040503050406030204" pitchFamily="18" charset="0"/>
-                            </a:rPr>
-                          </m:ctrlPr>
-                        </m:sSupPr>
-                        <m:e>
-                          <m:r>
-                            <a:rPr kumimoji="1" lang="en-US" altLang="ja-JP" sz="4000" b="0" i="1" smtClean="0">
-                              <a:solidFill>
-                                <a:schemeClr val="bg1">
-                                  <a:lumMod val="75000"/>
-                                </a:schemeClr>
-                              </a:solidFill>
-                              <a:latin typeface="Cambria Math" panose="02040503050406030204" pitchFamily="18" charset="0"/>
-                              <a:ea typeface="Cambria Math" panose="02040503050406030204" pitchFamily="18" charset="0"/>
-                            </a:rPr>
-                            <m:t>𝑉</m:t>
-                          </m:r>
-                        </m:e>
-                        <m:sup>
-                          <m:r>
-                            <a:rPr kumimoji="1" lang="el-GR" altLang="ja-JP" sz="4000" b="0" i="1" smtClean="0">
-                              <a:solidFill>
-                                <a:schemeClr val="bg1">
-                                  <a:lumMod val="75000"/>
-                                </a:schemeClr>
-                              </a:solidFill>
-                              <a:latin typeface="Cambria Math" panose="02040503050406030204" pitchFamily="18" charset="0"/>
-                              <a:ea typeface="Cambria Math" panose="02040503050406030204" pitchFamily="18" charset="0"/>
-                            </a:rPr>
-                            <m:t>†</m:t>
-                          </m:r>
-                        </m:sup>
-                      </m:sSup>
-                    </m:oMath>
-                  </m:oMathPara>
-                </a14:m>
-                <a:endParaRPr kumimoji="1" lang="ja-JP" altLang="en-US" sz="4000" dirty="0">
-                  <a:solidFill>
-                    <a:schemeClr val="bg1">
-                      <a:lumMod val="75000"/>
-                    </a:schemeClr>
-                  </a:solidFill>
-                </a:endParaRPr>
-              </a:p>
-            </p:txBody>
-          </p:sp>
-        </mc:Choice>
-        <mc:Fallback xmlns="">
-          <p:sp>
-            <p:nvSpPr>
-              <p:cNvPr id="34" name="テキスト ボックス 33"/>
-              <p:cNvSpPr txBox="1">
-                <a:spLocks noRot="1" noChangeAspect="1" noMove="1" noResize="1" noEditPoints="1" noAdjustHandles="1" noChangeArrowheads="1" noChangeShapeType="1" noTextEdit="1"/>
-              </p:cNvSpPr>
-              <p:nvPr/>
-            </p:nvSpPr>
-            <p:spPr>
-              <a:xfrm>
-                <a:off x="5195149" y="5627733"/>
-                <a:ext cx="1321067" cy="684098"/>
-              </a:xfrm>
-              <a:prstGeom prst="rect">
-                <a:avLst/>
-              </a:prstGeom>
-              <a:blipFill>
-                <a:blip r:embed="rId11"/>
-                <a:stretch>
-                  <a:fillRect/>
-                </a:stretch>
-              </a:blipFill>
-            </p:spPr>
-            <p:txBody>
-              <a:bodyPr/>
-              <a:lstStyle/>
-              <a:p>
-                <a:r>
-                  <a:rPr lang="ja-JP" altLang="en-US">
-                    <a:noFill/>
-                  </a:rPr>
-                  <a:t> </a:t>
-                </a:r>
-              </a:p>
-            </p:txBody>
-          </p:sp>
-        </mc:Fallback>
-      </mc:AlternateContent>
-      <p:sp>
-        <p:nvSpPr>
-          <p:cNvPr id="35" name="テキスト ボックス 34"/>
-          <p:cNvSpPr txBox="1"/>
-          <p:nvPr/>
-        </p:nvSpPr>
-        <p:spPr>
-          <a:xfrm>
-            <a:off x="3123686" y="4633455"/>
-            <a:ext cx="3305713" cy="369332"/>
-          </a:xfrm>
-          <a:prstGeom prst="rect">
-            <a:avLst/>
-          </a:prstGeom>
-          <a:noFill/>
-        </p:spPr>
-        <p:txBody>
-          <a:bodyPr wrap="none" rtlCol="0">
-            <a:spAutoFit/>
-          </a:bodyPr>
-          <a:lstStyle/>
-          <a:p>
-            <a:r>
-              <a:rPr kumimoji="1" lang="ja-JP" altLang="en-US" b="1" dirty="0">
-                <a:solidFill>
-                  <a:srgbClr val="FF0000"/>
-                </a:solidFill>
-              </a:rPr>
-              <a:t>ここ</a:t>
-            </a:r>
-            <a:r>
-              <a:rPr lang="ja-JP" altLang="en-US" dirty="0"/>
-              <a:t>と</a:t>
-            </a:r>
-            <a:r>
-              <a:rPr lang="ja-JP" altLang="en-US" b="1" dirty="0">
-                <a:solidFill>
-                  <a:srgbClr val="0070C0"/>
-                </a:solidFill>
-              </a:rPr>
-              <a:t>ここ</a:t>
-            </a:r>
-            <a:r>
-              <a:rPr kumimoji="1" lang="ja-JP" altLang="en-US" dirty="0"/>
-              <a:t>だけ使って再構成</a:t>
-            </a:r>
-          </a:p>
-        </p:txBody>
-      </p:sp>
-      <p:cxnSp>
-        <p:nvCxnSpPr>
-          <p:cNvPr id="37" name="直線矢印コネクタ 36"/>
-          <p:cNvCxnSpPr/>
-          <p:nvPr/>
-        </p:nvCxnSpPr>
-        <p:spPr>
-          <a:xfrm>
-            <a:off x="3447550" y="4987802"/>
-            <a:ext cx="0" cy="399762"/>
-          </a:xfrm>
-          <a:prstGeom prst="straightConnector1">
-            <a:avLst/>
-          </a:prstGeom>
-          <a:ln w="12700">
-            <a:solidFill>
-              <a:schemeClr val="tx1"/>
-            </a:solidFill>
-            <a:tailEnd type="triangle"/>
-          </a:ln>
-        </p:spPr>
-        <p:style>
-          <a:lnRef idx="1">
-            <a:schemeClr val="accent1"/>
-          </a:lnRef>
-          <a:fillRef idx="0">
-            <a:schemeClr val="accent1"/>
-          </a:fillRef>
-          <a:effectRef idx="0">
-            <a:schemeClr val="accent1"/>
-          </a:effectRef>
-          <a:fontRef idx="minor">
-            <a:schemeClr val="tx1"/>
-          </a:fontRef>
-        </p:style>
-      </p:cxnSp>
-      <p:cxnSp>
-        <p:nvCxnSpPr>
-          <p:cNvPr id="39" name="カギ線コネクタ 38"/>
-          <p:cNvCxnSpPr>
-            <a:endCxn id="32" idx="1"/>
-          </p:cNvCxnSpPr>
-          <p:nvPr/>
-        </p:nvCxnSpPr>
-        <p:spPr>
-          <a:xfrm>
-            <a:off x="4135068" y="4987802"/>
-            <a:ext cx="844767" cy="276770"/>
-          </a:xfrm>
-          <a:prstGeom prst="bentConnector3">
-            <a:avLst>
-              <a:gd name="adj1" fmla="val -295"/>
-            </a:avLst>
-          </a:prstGeom>
-          <a:ln w="12700">
-            <a:solidFill>
-              <a:schemeClr val="tx1"/>
-            </a:solidFill>
-            <a:tailEnd type="triangle"/>
-          </a:ln>
-        </p:spPr>
-        <p:style>
-          <a:lnRef idx="1">
-            <a:schemeClr val="accent1"/>
-          </a:lnRef>
-          <a:fillRef idx="0">
-            <a:schemeClr val="accent1"/>
-          </a:fillRef>
-          <a:effectRef idx="0">
-            <a:schemeClr val="accent1"/>
-          </a:effectRef>
-          <a:fontRef idx="minor">
-            <a:schemeClr val="tx1"/>
-          </a:fontRef>
-        </p:style>
-      </p:cxnSp>
-    </p:spTree>
-    <p:extLst>
-      <p:ext uri="{BB962C8B-B14F-4D97-AF65-F5344CB8AC3E}">
-        <p14:creationId xmlns:p14="http://schemas.microsoft.com/office/powerpoint/2010/main" val="2870047879"/>
-      </p:ext>
-    </p:extLst>
-  </p:cSld>
-  <p:clrMapOvr>
-    <a:masterClrMapping/>
-  </p:clrMapOvr>
-</p:sld>
-</file>
-
-<file path=ppt/slides/slide4.xml><?xml version="1.0" encoding="utf-8"?>
 <p:sld xmlns:a="http://schemas.openxmlformats.org/drawingml/2006/main" xmlns:r="http://schemas.openxmlformats.org/officeDocument/2006/relationships" xmlns:p="http://schemas.openxmlformats.org/presentationml/2006/main">
   <p:cSld>
     <p:spTree>
@@ -5594,6 +3574,2065 @@
 </p:sld>
 </file>
 
+<file path=ppt/slides/slide4.xml><?xml version="1.0" encoding="utf-8"?>
+<p:sld xmlns:a="http://schemas.openxmlformats.org/drawingml/2006/main" xmlns:r="http://schemas.openxmlformats.org/officeDocument/2006/relationships" xmlns:p="http://schemas.openxmlformats.org/presentationml/2006/main">
+  <p:cSld>
+    <p:spTree>
+      <p:nvGrpSpPr>
+        <p:cNvPr id="1" name=""/>
+        <p:cNvGrpSpPr/>
+        <p:nvPr/>
+      </p:nvGrpSpPr>
+      <p:grpSpPr>
+        <a:xfrm>
+          <a:off x="0" y="0"/>
+          <a:ext cx="0" cy="0"/>
+          <a:chOff x="0" y="0"/>
+          <a:chExt cx="0" cy="0"/>
+        </a:xfrm>
+      </p:grpSpPr>
+      <p:sp>
+        <p:nvSpPr>
+          <p:cNvPr id="36" name="正方形/長方形 35">
+            <a:extLst>
+              <a:ext uri="{FF2B5EF4-FFF2-40B4-BE49-F238E27FC236}">
+                <a16:creationId xmlns:a16="http://schemas.microsoft.com/office/drawing/2014/main" id="{1D76626F-41A7-7A48-A8A4-851E727E627E}"/>
+              </a:ext>
+            </a:extLst>
+          </p:cNvPr>
+          <p:cNvSpPr/>
+          <p:nvPr/>
+        </p:nvSpPr>
+        <p:spPr>
+          <a:xfrm>
+            <a:off x="3347865" y="2060849"/>
+            <a:ext cx="216024" cy="1080120"/>
+          </a:xfrm>
+          <a:prstGeom prst="rect">
+            <a:avLst/>
+          </a:prstGeom>
+          <a:solidFill>
+            <a:srgbClr val="FF0000"/>
+          </a:solidFill>
+          <a:ln>
+            <a:solidFill>
+              <a:schemeClr val="tx1"/>
+            </a:solidFill>
+          </a:ln>
+        </p:spPr>
+        <p:style>
+          <a:lnRef idx="2">
+            <a:schemeClr val="accent1">
+              <a:shade val="50000"/>
+            </a:schemeClr>
+          </a:lnRef>
+          <a:fillRef idx="1">
+            <a:schemeClr val="accent1"/>
+          </a:fillRef>
+          <a:effectRef idx="0">
+            <a:schemeClr val="accent1"/>
+          </a:effectRef>
+          <a:fontRef idx="minor">
+            <a:schemeClr val="lt1"/>
+          </a:fontRef>
+        </p:style>
+        <p:txBody>
+          <a:bodyPr rtlCol="0" anchor="ctr"/>
+          <a:lstStyle/>
+          <a:p>
+            <a:pPr algn="ctr"/>
+            <a:endParaRPr kumimoji="1" lang="ja-JP" altLang="en-US"/>
+          </a:p>
+        </p:txBody>
+      </p:sp>
+      <p:sp>
+        <p:nvSpPr>
+          <p:cNvPr id="4" name="正方形/長方形 3"/>
+          <p:cNvSpPr/>
+          <p:nvPr/>
+        </p:nvSpPr>
+        <p:spPr>
+          <a:xfrm>
+            <a:off x="683568" y="2060848"/>
+            <a:ext cx="1656184" cy="1052736"/>
+          </a:xfrm>
+          <a:prstGeom prst="rect">
+            <a:avLst/>
+          </a:prstGeom>
+          <a:noFill/>
+          <a:ln>
+            <a:solidFill>
+              <a:schemeClr val="tx1"/>
+            </a:solidFill>
+          </a:ln>
+        </p:spPr>
+        <p:style>
+          <a:lnRef idx="2">
+            <a:schemeClr val="accent1">
+              <a:shade val="50000"/>
+            </a:schemeClr>
+          </a:lnRef>
+          <a:fillRef idx="1">
+            <a:schemeClr val="accent1"/>
+          </a:fillRef>
+          <a:effectRef idx="0">
+            <a:schemeClr val="accent1"/>
+          </a:effectRef>
+          <a:fontRef idx="minor">
+            <a:schemeClr val="lt1"/>
+          </a:fontRef>
+        </p:style>
+        <p:txBody>
+          <a:bodyPr rtlCol="0" anchor="ctr"/>
+          <a:lstStyle/>
+          <a:p>
+            <a:pPr algn="ctr"/>
+            <a:endParaRPr kumimoji="1" lang="ja-JP" altLang="en-US" dirty="0"/>
+          </a:p>
+        </p:txBody>
+      </p:sp>
+      <p:sp>
+        <p:nvSpPr>
+          <p:cNvPr id="5" name="正方形/長方形 4"/>
+          <p:cNvSpPr/>
+          <p:nvPr/>
+        </p:nvSpPr>
+        <p:spPr>
+          <a:xfrm>
+            <a:off x="3347865" y="2060849"/>
+            <a:ext cx="1080120" cy="1080120"/>
+          </a:xfrm>
+          <a:prstGeom prst="rect">
+            <a:avLst/>
+          </a:prstGeom>
+          <a:noFill/>
+          <a:ln>
+            <a:solidFill>
+              <a:schemeClr val="tx1"/>
+            </a:solidFill>
+          </a:ln>
+        </p:spPr>
+        <p:style>
+          <a:lnRef idx="2">
+            <a:schemeClr val="accent1">
+              <a:shade val="50000"/>
+            </a:schemeClr>
+          </a:lnRef>
+          <a:fillRef idx="1">
+            <a:schemeClr val="accent1"/>
+          </a:fillRef>
+          <a:effectRef idx="0">
+            <a:schemeClr val="accent1"/>
+          </a:effectRef>
+          <a:fontRef idx="minor">
+            <a:schemeClr val="lt1"/>
+          </a:fontRef>
+        </p:style>
+        <p:txBody>
+          <a:bodyPr rtlCol="0" anchor="ctr"/>
+          <a:lstStyle/>
+          <a:p>
+            <a:pPr algn="ctr"/>
+            <a:endParaRPr kumimoji="1" lang="ja-JP" altLang="en-US"/>
+          </a:p>
+        </p:txBody>
+      </p:sp>
+      <p:sp>
+        <p:nvSpPr>
+          <p:cNvPr id="6" name="正方形/長方形 5"/>
+          <p:cNvSpPr/>
+          <p:nvPr/>
+        </p:nvSpPr>
+        <p:spPr>
+          <a:xfrm>
+            <a:off x="4788024" y="2060848"/>
+            <a:ext cx="1656184" cy="1080120"/>
+          </a:xfrm>
+          <a:prstGeom prst="rect">
+            <a:avLst/>
+          </a:prstGeom>
+          <a:noFill/>
+          <a:ln>
+            <a:solidFill>
+              <a:schemeClr val="tx1"/>
+            </a:solidFill>
+          </a:ln>
+        </p:spPr>
+        <p:style>
+          <a:lnRef idx="2">
+            <a:schemeClr val="accent1">
+              <a:shade val="50000"/>
+            </a:schemeClr>
+          </a:lnRef>
+          <a:fillRef idx="1">
+            <a:schemeClr val="accent1"/>
+          </a:fillRef>
+          <a:effectRef idx="0">
+            <a:schemeClr val="accent1"/>
+          </a:effectRef>
+          <a:fontRef idx="minor">
+            <a:schemeClr val="lt1"/>
+          </a:fontRef>
+        </p:style>
+        <p:txBody>
+          <a:bodyPr rtlCol="0" anchor="ctr"/>
+          <a:lstStyle/>
+          <a:p>
+            <a:pPr algn="ctr"/>
+            <a:endParaRPr kumimoji="1" lang="ja-JP" altLang="en-US"/>
+          </a:p>
+        </p:txBody>
+      </p:sp>
+      <p:sp>
+        <p:nvSpPr>
+          <p:cNvPr id="7" name="正方形/長方形 6"/>
+          <p:cNvSpPr/>
+          <p:nvPr/>
+        </p:nvSpPr>
+        <p:spPr>
+          <a:xfrm>
+            <a:off x="7092280" y="1775343"/>
+            <a:ext cx="1656184" cy="1653657"/>
+          </a:xfrm>
+          <a:prstGeom prst="rect">
+            <a:avLst/>
+          </a:prstGeom>
+          <a:noFill/>
+          <a:ln>
+            <a:solidFill>
+              <a:schemeClr val="tx1"/>
+            </a:solidFill>
+          </a:ln>
+        </p:spPr>
+        <p:style>
+          <a:lnRef idx="2">
+            <a:schemeClr val="accent1">
+              <a:shade val="50000"/>
+            </a:schemeClr>
+          </a:lnRef>
+          <a:fillRef idx="1">
+            <a:schemeClr val="accent1"/>
+          </a:fillRef>
+          <a:effectRef idx="0">
+            <a:schemeClr val="accent1"/>
+          </a:effectRef>
+          <a:fontRef idx="minor">
+            <a:schemeClr val="lt1"/>
+          </a:fontRef>
+        </p:style>
+        <p:txBody>
+          <a:bodyPr rtlCol="0" anchor="ctr"/>
+          <a:lstStyle/>
+          <a:p>
+            <a:pPr algn="ctr"/>
+            <a:endParaRPr kumimoji="1" lang="ja-JP" altLang="en-US"/>
+          </a:p>
+        </p:txBody>
+      </p:sp>
+      <p:sp>
+        <p:nvSpPr>
+          <p:cNvPr id="9" name="テキスト ボックス 8"/>
+          <p:cNvSpPr txBox="1"/>
+          <p:nvPr/>
+        </p:nvSpPr>
+        <p:spPr>
+          <a:xfrm>
+            <a:off x="4461878" y="2299461"/>
+            <a:ext cx="362600" cy="584775"/>
+          </a:xfrm>
+          <a:prstGeom prst="rect">
+            <a:avLst/>
+          </a:prstGeom>
+          <a:noFill/>
+        </p:spPr>
+        <p:txBody>
+          <a:bodyPr wrap="none" rtlCol="0">
+            <a:spAutoFit/>
+          </a:bodyPr>
+          <a:lstStyle/>
+          <a:p>
+            <a:r>
+              <a:rPr kumimoji="1" lang="en-US" altLang="ja-JP" sz="3200" dirty="0"/>
+              <a:t>x</a:t>
+            </a:r>
+            <a:endParaRPr kumimoji="1" lang="ja-JP" altLang="en-US" sz="3200" dirty="0"/>
+          </a:p>
+        </p:txBody>
+      </p:sp>
+      <p:sp>
+        <p:nvSpPr>
+          <p:cNvPr id="10" name="テキスト ボックス 9"/>
+          <p:cNvSpPr txBox="1"/>
+          <p:nvPr/>
+        </p:nvSpPr>
+        <p:spPr>
+          <a:xfrm>
+            <a:off x="6588224" y="2276872"/>
+            <a:ext cx="408460" cy="584775"/>
+          </a:xfrm>
+          <a:prstGeom prst="rect">
+            <a:avLst/>
+          </a:prstGeom>
+          <a:noFill/>
+        </p:spPr>
+        <p:txBody>
+          <a:bodyPr wrap="square" rtlCol="0">
+            <a:spAutoFit/>
+          </a:bodyPr>
+          <a:lstStyle/>
+          <a:p>
+            <a:r>
+              <a:rPr kumimoji="1" lang="en-US" altLang="ja-JP" sz="3200" dirty="0"/>
+              <a:t>x</a:t>
+            </a:r>
+            <a:endParaRPr kumimoji="1" lang="ja-JP" altLang="en-US" sz="3200" dirty="0"/>
+          </a:p>
+        </p:txBody>
+      </p:sp>
+      <p:sp>
+        <p:nvSpPr>
+          <p:cNvPr id="11" name="テキスト ボックス 10"/>
+          <p:cNvSpPr txBox="1"/>
+          <p:nvPr/>
+        </p:nvSpPr>
+        <p:spPr>
+          <a:xfrm>
+            <a:off x="2683339" y="2284386"/>
+            <a:ext cx="389850" cy="584775"/>
+          </a:xfrm>
+          <a:prstGeom prst="rect">
+            <a:avLst/>
+          </a:prstGeom>
+          <a:noFill/>
+        </p:spPr>
+        <p:txBody>
+          <a:bodyPr wrap="none" rtlCol="0">
+            <a:spAutoFit/>
+          </a:bodyPr>
+          <a:lstStyle/>
+          <a:p>
+            <a:r>
+              <a:rPr lang="en-US" altLang="ja-JP" sz="3200" dirty="0"/>
+              <a:t>=</a:t>
+            </a:r>
+            <a:endParaRPr kumimoji="1" lang="ja-JP" altLang="en-US" sz="3200" dirty="0"/>
+          </a:p>
+        </p:txBody>
+      </p:sp>
+      <mc:AlternateContent xmlns:mc="http://schemas.openxmlformats.org/markup-compatibility/2006">
+        <mc:Choice xmlns:a14="http://schemas.microsoft.com/office/drawing/2010/main" Requires="a14">
+          <p:sp>
+            <p:nvSpPr>
+              <p:cNvPr id="12" name="テキスト ボックス 11"/>
+              <p:cNvSpPr txBox="1"/>
+              <p:nvPr/>
+            </p:nvSpPr>
+            <p:spPr>
+              <a:xfrm>
+                <a:off x="1268697" y="2291882"/>
+                <a:ext cx="458139" cy="615553"/>
+              </a:xfrm>
+              <a:prstGeom prst="rect">
+                <a:avLst/>
+              </a:prstGeom>
+              <a:noFill/>
+            </p:spPr>
+            <p:txBody>
+              <a:bodyPr wrap="none" lIns="0" tIns="0" rIns="0" bIns="0" rtlCol="0">
+                <a:spAutoFit/>
+              </a:bodyPr>
+              <a:lstStyle/>
+              <a:p>
+                <a:pPr/>
+                <a14:m>
+                  <m:oMathPara xmlns:m="http://schemas.openxmlformats.org/officeDocument/2006/math">
+                    <m:oMathParaPr>
+                      <m:jc m:val="centerGroup"/>
+                    </m:oMathParaPr>
+                    <m:oMath xmlns:m="http://schemas.openxmlformats.org/officeDocument/2006/math">
+                      <m:r>
+                        <a:rPr kumimoji="1" lang="en-US" altLang="ja-JP" sz="4000" b="0" i="1" smtClean="0">
+                          <a:latin typeface="Cambria Math" panose="02040503050406030204" pitchFamily="18" charset="0"/>
+                        </a:rPr>
+                        <m:t>𝑋</m:t>
+                      </m:r>
+                    </m:oMath>
+                  </m:oMathPara>
+                </a14:m>
+                <a:endParaRPr kumimoji="1" lang="ja-JP" altLang="en-US" sz="4000" dirty="0"/>
+              </a:p>
+            </p:txBody>
+          </p:sp>
+        </mc:Choice>
+        <mc:Fallback>
+          <p:sp>
+            <p:nvSpPr>
+              <p:cNvPr id="12" name="テキスト ボックス 11"/>
+              <p:cNvSpPr txBox="1">
+                <a:spLocks noRot="1" noChangeAspect="1" noMove="1" noResize="1" noEditPoints="1" noAdjustHandles="1" noChangeArrowheads="1" noChangeShapeType="1" noTextEdit="1"/>
+              </p:cNvSpPr>
+              <p:nvPr/>
+            </p:nvSpPr>
+            <p:spPr>
+              <a:xfrm>
+                <a:off x="1268697" y="2291882"/>
+                <a:ext cx="458139" cy="615553"/>
+              </a:xfrm>
+              <a:prstGeom prst="rect">
+                <a:avLst/>
+              </a:prstGeom>
+              <a:blipFill>
+                <a:blip r:embed="rId2"/>
+                <a:stretch>
+                  <a:fillRect l="-24324" r="-21622" b="-6122"/>
+                </a:stretch>
+              </a:blipFill>
+            </p:spPr>
+            <p:txBody>
+              <a:bodyPr/>
+              <a:lstStyle/>
+              <a:p>
+                <a:r>
+                  <a:rPr lang="ja-JP" altLang="en-US">
+                    <a:noFill/>
+                  </a:rPr>
+                  <a:t> </a:t>
+                </a:r>
+              </a:p>
+            </p:txBody>
+          </p:sp>
+        </mc:Fallback>
+      </mc:AlternateContent>
+      <mc:AlternateContent xmlns:mc="http://schemas.openxmlformats.org/markup-compatibility/2006">
+        <mc:Choice xmlns:a14="http://schemas.microsoft.com/office/drawing/2010/main" Requires="a14">
+          <p:sp>
+            <p:nvSpPr>
+              <p:cNvPr id="14" name="テキスト ボックス 13"/>
+              <p:cNvSpPr txBox="1"/>
+              <p:nvPr/>
+            </p:nvSpPr>
+            <p:spPr>
+              <a:xfrm>
+                <a:off x="3584980" y="2291882"/>
+                <a:ext cx="478080" cy="615553"/>
+              </a:xfrm>
+              <a:prstGeom prst="rect">
+                <a:avLst/>
+              </a:prstGeom>
+              <a:noFill/>
+            </p:spPr>
+            <p:txBody>
+              <a:bodyPr wrap="none" lIns="0" tIns="0" rIns="0" bIns="0" rtlCol="0">
+                <a:spAutoFit/>
+              </a:bodyPr>
+              <a:lstStyle/>
+              <a:p>
+                <a:pPr/>
+                <a14:m>
+                  <m:oMathPara xmlns:m="http://schemas.openxmlformats.org/officeDocument/2006/math">
+                    <m:oMathParaPr>
+                      <m:jc m:val="centerGroup"/>
+                    </m:oMathParaPr>
+                    <m:oMath xmlns:m="http://schemas.openxmlformats.org/officeDocument/2006/math">
+                      <m:r>
+                        <a:rPr kumimoji="1" lang="en-US" altLang="ja-JP" sz="4000" b="0" i="1" smtClean="0">
+                          <a:latin typeface="Cambria Math" panose="02040503050406030204" pitchFamily="18" charset="0"/>
+                        </a:rPr>
+                        <m:t>𝑈</m:t>
+                      </m:r>
+                    </m:oMath>
+                  </m:oMathPara>
+                </a14:m>
+                <a:endParaRPr kumimoji="1" lang="ja-JP" altLang="en-US" sz="4000" dirty="0"/>
+              </a:p>
+            </p:txBody>
+          </p:sp>
+        </mc:Choice>
+        <mc:Fallback>
+          <p:sp>
+            <p:nvSpPr>
+              <p:cNvPr id="14" name="テキスト ボックス 13"/>
+              <p:cNvSpPr txBox="1">
+                <a:spLocks noRot="1" noChangeAspect="1" noMove="1" noResize="1" noEditPoints="1" noAdjustHandles="1" noChangeArrowheads="1" noChangeShapeType="1" noTextEdit="1"/>
+              </p:cNvSpPr>
+              <p:nvPr/>
+            </p:nvSpPr>
+            <p:spPr>
+              <a:xfrm>
+                <a:off x="3584980" y="2291882"/>
+                <a:ext cx="478080" cy="615553"/>
+              </a:xfrm>
+              <a:prstGeom prst="rect">
+                <a:avLst/>
+              </a:prstGeom>
+              <a:blipFill>
+                <a:blip r:embed="rId3"/>
+                <a:stretch>
+                  <a:fillRect l="-20513" r="-20513" b="-6122"/>
+                </a:stretch>
+              </a:blipFill>
+            </p:spPr>
+            <p:txBody>
+              <a:bodyPr/>
+              <a:lstStyle/>
+              <a:p>
+                <a:r>
+                  <a:rPr lang="ja-JP" altLang="en-US">
+                    <a:noFill/>
+                  </a:rPr>
+                  <a:t> </a:t>
+                </a:r>
+              </a:p>
+            </p:txBody>
+          </p:sp>
+        </mc:Fallback>
+      </mc:AlternateContent>
+      <mc:AlternateContent xmlns:mc="http://schemas.openxmlformats.org/markup-compatibility/2006">
+        <mc:Choice xmlns:a14="http://schemas.microsoft.com/office/drawing/2010/main" Requires="a14">
+          <p:sp>
+            <p:nvSpPr>
+              <p:cNvPr id="15" name="テキスト ボックス 14"/>
+              <p:cNvSpPr txBox="1"/>
+              <p:nvPr/>
+            </p:nvSpPr>
+            <p:spPr>
+              <a:xfrm>
+                <a:off x="7596336" y="2245890"/>
+                <a:ext cx="703654" cy="631455"/>
+              </a:xfrm>
+              <a:prstGeom prst="rect">
+                <a:avLst/>
+              </a:prstGeom>
+              <a:noFill/>
+            </p:spPr>
+            <p:txBody>
+              <a:bodyPr wrap="none" lIns="0" tIns="0" rIns="0" bIns="0" rtlCol="0">
+                <a:spAutoFit/>
+              </a:bodyPr>
+              <a:lstStyle/>
+              <a:p>
+                <a:pPr/>
+                <a14:m>
+                  <m:oMathPara xmlns:m="http://schemas.openxmlformats.org/officeDocument/2006/math">
+                    <m:oMathParaPr>
+                      <m:jc m:val="centerGroup"/>
+                    </m:oMathParaPr>
+                    <m:oMath xmlns:m="http://schemas.openxmlformats.org/officeDocument/2006/math">
+                      <m:sSup>
+                        <m:sSupPr>
+                          <m:ctrlPr>
+                            <a:rPr kumimoji="1" lang="el-GR" altLang="ja-JP" sz="4000" b="0" i="1" smtClean="0">
+                              <a:latin typeface="Cambria Math" panose="02040503050406030204" pitchFamily="18" charset="0"/>
+                              <a:ea typeface="Cambria Math" panose="02040503050406030204" pitchFamily="18" charset="0"/>
+                            </a:rPr>
+                          </m:ctrlPr>
+                        </m:sSupPr>
+                        <m:e>
+                          <m:r>
+                            <a:rPr kumimoji="1" lang="en-US" altLang="ja-JP" sz="4000" b="0" i="1" smtClean="0">
+                              <a:latin typeface="Cambria Math" panose="02040503050406030204" pitchFamily="18" charset="0"/>
+                              <a:ea typeface="Cambria Math" panose="02040503050406030204" pitchFamily="18" charset="0"/>
+                            </a:rPr>
+                            <m:t>𝑉</m:t>
+                          </m:r>
+                        </m:e>
+                        <m:sup>
+                          <m:r>
+                            <a:rPr kumimoji="1" lang="el-GR" altLang="ja-JP" sz="4000" b="0" i="1" smtClean="0">
+                              <a:latin typeface="Cambria Math" panose="02040503050406030204" pitchFamily="18" charset="0"/>
+                              <a:ea typeface="Cambria Math" panose="02040503050406030204" pitchFamily="18" charset="0"/>
+                            </a:rPr>
+                            <m:t>†</m:t>
+                          </m:r>
+                        </m:sup>
+                      </m:sSup>
+                    </m:oMath>
+                  </m:oMathPara>
+                </a14:m>
+                <a:endParaRPr kumimoji="1" lang="ja-JP" altLang="en-US" sz="4000" dirty="0"/>
+              </a:p>
+            </p:txBody>
+          </p:sp>
+        </mc:Choice>
+        <mc:Fallback>
+          <p:sp>
+            <p:nvSpPr>
+              <p:cNvPr id="15" name="テキスト ボックス 14"/>
+              <p:cNvSpPr txBox="1">
+                <a:spLocks noRot="1" noChangeAspect="1" noMove="1" noResize="1" noEditPoints="1" noAdjustHandles="1" noChangeArrowheads="1" noChangeShapeType="1" noTextEdit="1"/>
+              </p:cNvSpPr>
+              <p:nvPr/>
+            </p:nvSpPr>
+            <p:spPr>
+              <a:xfrm>
+                <a:off x="7596336" y="2245890"/>
+                <a:ext cx="703654" cy="631455"/>
+              </a:xfrm>
+              <a:prstGeom prst="rect">
+                <a:avLst/>
+              </a:prstGeom>
+              <a:blipFill>
+                <a:blip r:embed="rId4"/>
+                <a:stretch>
+                  <a:fillRect l="-15789" t="-3922" r="-8772" b="-3922"/>
+                </a:stretch>
+              </a:blipFill>
+            </p:spPr>
+            <p:txBody>
+              <a:bodyPr/>
+              <a:lstStyle/>
+              <a:p>
+                <a:r>
+                  <a:rPr lang="ja-JP" altLang="en-US">
+                    <a:noFill/>
+                  </a:rPr>
+                  <a:t> </a:t>
+                </a:r>
+              </a:p>
+            </p:txBody>
+          </p:sp>
+        </mc:Fallback>
+      </mc:AlternateContent>
+      <mc:AlternateContent xmlns:mc="http://schemas.openxmlformats.org/markup-compatibility/2006">
+        <mc:Choice xmlns:a14="http://schemas.microsoft.com/office/drawing/2010/main" Requires="a14">
+          <p:sp>
+            <p:nvSpPr>
+              <p:cNvPr id="16" name="テキスト ボックス 15"/>
+              <p:cNvSpPr txBox="1"/>
+              <p:nvPr/>
+            </p:nvSpPr>
+            <p:spPr>
+              <a:xfrm>
+                <a:off x="5436096" y="2291882"/>
+                <a:ext cx="395942" cy="615553"/>
+              </a:xfrm>
+              <a:prstGeom prst="rect">
+                <a:avLst/>
+              </a:prstGeom>
+              <a:noFill/>
+            </p:spPr>
+            <p:txBody>
+              <a:bodyPr wrap="none" lIns="0" tIns="0" rIns="0" bIns="0" rtlCol="0">
+                <a:spAutoFit/>
+              </a:bodyPr>
+              <a:lstStyle/>
+              <a:p>
+                <a:pPr/>
+                <a14:m>
+                  <m:oMathPara xmlns:m="http://schemas.openxmlformats.org/officeDocument/2006/math">
+                    <m:oMathParaPr>
+                      <m:jc m:val="centerGroup"/>
+                    </m:oMathParaPr>
+                    <m:oMath xmlns:m="http://schemas.openxmlformats.org/officeDocument/2006/math">
+                      <m:r>
+                        <m:rPr>
+                          <m:sty m:val="p"/>
+                        </m:rPr>
+                        <a:rPr kumimoji="1" lang="el-GR" altLang="ja-JP" sz="4000" b="0" i="1" smtClean="0">
+                          <a:latin typeface="Cambria Math" panose="02040503050406030204" pitchFamily="18" charset="0"/>
+                          <a:ea typeface="Cambria Math" panose="02040503050406030204" pitchFamily="18" charset="0"/>
+                        </a:rPr>
+                        <m:t>Σ</m:t>
+                      </m:r>
+                    </m:oMath>
+                  </m:oMathPara>
+                </a14:m>
+                <a:endParaRPr kumimoji="1" lang="ja-JP" altLang="en-US" sz="4000" dirty="0"/>
+              </a:p>
+            </p:txBody>
+          </p:sp>
+        </mc:Choice>
+        <mc:Fallback>
+          <p:sp>
+            <p:nvSpPr>
+              <p:cNvPr id="16" name="テキスト ボックス 15"/>
+              <p:cNvSpPr txBox="1">
+                <a:spLocks noRot="1" noChangeAspect="1" noMove="1" noResize="1" noEditPoints="1" noAdjustHandles="1" noChangeArrowheads="1" noChangeShapeType="1" noTextEdit="1"/>
+              </p:cNvSpPr>
+              <p:nvPr/>
+            </p:nvSpPr>
+            <p:spPr>
+              <a:xfrm>
+                <a:off x="5436096" y="2291882"/>
+                <a:ext cx="395942" cy="615553"/>
+              </a:xfrm>
+              <a:prstGeom prst="rect">
+                <a:avLst/>
+              </a:prstGeom>
+              <a:blipFill>
+                <a:blip r:embed="rId5"/>
+                <a:stretch>
+                  <a:fillRect l="-25000" r="-28125" b="-6122"/>
+                </a:stretch>
+              </a:blipFill>
+            </p:spPr>
+            <p:txBody>
+              <a:bodyPr/>
+              <a:lstStyle/>
+              <a:p>
+                <a:r>
+                  <a:rPr lang="ja-JP" altLang="en-US">
+                    <a:noFill/>
+                  </a:rPr>
+                  <a:t> </a:t>
+                </a:r>
+              </a:p>
+            </p:txBody>
+          </p:sp>
+        </mc:Fallback>
+      </mc:AlternateContent>
+      <p:sp>
+        <p:nvSpPr>
+          <p:cNvPr id="23" name="正方形/長方形 22"/>
+          <p:cNvSpPr/>
+          <p:nvPr/>
+        </p:nvSpPr>
+        <p:spPr>
+          <a:xfrm>
+            <a:off x="683568" y="3717032"/>
+            <a:ext cx="1656184" cy="1104123"/>
+          </a:xfrm>
+          <a:prstGeom prst="rect">
+            <a:avLst/>
+          </a:prstGeom>
+          <a:noFill/>
+          <a:ln>
+            <a:solidFill>
+              <a:schemeClr val="tx1"/>
+            </a:solidFill>
+          </a:ln>
+        </p:spPr>
+        <p:style>
+          <a:lnRef idx="2">
+            <a:schemeClr val="accent1">
+              <a:shade val="50000"/>
+            </a:schemeClr>
+          </a:lnRef>
+          <a:fillRef idx="1">
+            <a:schemeClr val="accent1"/>
+          </a:fillRef>
+          <a:effectRef idx="0">
+            <a:schemeClr val="accent1"/>
+          </a:effectRef>
+          <a:fontRef idx="minor">
+            <a:schemeClr val="lt1"/>
+          </a:fontRef>
+        </p:style>
+        <p:txBody>
+          <a:bodyPr rtlCol="0" anchor="ctr"/>
+          <a:lstStyle/>
+          <a:p>
+            <a:pPr algn="ctr"/>
+            <a:endParaRPr kumimoji="1" lang="ja-JP" altLang="en-US" dirty="0"/>
+          </a:p>
+        </p:txBody>
+      </p:sp>
+      <mc:AlternateContent xmlns:mc="http://schemas.openxmlformats.org/markup-compatibility/2006">
+        <mc:Choice xmlns:a14="http://schemas.microsoft.com/office/drawing/2010/main" Requires="a14">
+          <p:sp>
+            <p:nvSpPr>
+              <p:cNvPr id="24" name="テキスト ボックス 23"/>
+              <p:cNvSpPr txBox="1"/>
+              <p:nvPr/>
+            </p:nvSpPr>
+            <p:spPr>
+              <a:xfrm>
+                <a:off x="1282590" y="3940618"/>
+                <a:ext cx="458138" cy="626646"/>
+              </a:xfrm>
+              <a:prstGeom prst="rect">
+                <a:avLst/>
+              </a:prstGeom>
+              <a:noFill/>
+            </p:spPr>
+            <p:txBody>
+              <a:bodyPr wrap="none" lIns="0" tIns="0" rIns="0" bIns="0" rtlCol="0">
+                <a:spAutoFit/>
+              </a:bodyPr>
+              <a:lstStyle/>
+              <a:p>
+                <a:pPr/>
+                <a14:m>
+                  <m:oMathPara xmlns:m="http://schemas.openxmlformats.org/officeDocument/2006/math">
+                    <m:oMathParaPr>
+                      <m:jc m:val="centerGroup"/>
+                    </m:oMathParaPr>
+                    <m:oMath xmlns:m="http://schemas.openxmlformats.org/officeDocument/2006/math">
+                      <m:acc>
+                        <m:accPr>
+                          <m:chr m:val="̃"/>
+                          <m:ctrlPr>
+                            <a:rPr kumimoji="1" lang="en-US" altLang="ja-JP" sz="4000" b="0" i="1" smtClean="0">
+                              <a:latin typeface="Cambria Math" panose="02040503050406030204" pitchFamily="18" charset="0"/>
+                            </a:rPr>
+                          </m:ctrlPr>
+                        </m:accPr>
+                        <m:e>
+                          <m:r>
+                            <a:rPr kumimoji="1" lang="en-US" altLang="ja-JP" sz="4000" b="0" i="1" smtClean="0">
+                              <a:latin typeface="Cambria Math" panose="02040503050406030204" pitchFamily="18" charset="0"/>
+                            </a:rPr>
+                            <m:t>𝑋</m:t>
+                          </m:r>
+                        </m:e>
+                      </m:acc>
+                    </m:oMath>
+                  </m:oMathPara>
+                </a14:m>
+                <a:endParaRPr kumimoji="1" lang="ja-JP" altLang="en-US" sz="4000" dirty="0"/>
+              </a:p>
+            </p:txBody>
+          </p:sp>
+        </mc:Choice>
+        <mc:Fallback>
+          <p:sp>
+            <p:nvSpPr>
+              <p:cNvPr id="24" name="テキスト ボックス 23"/>
+              <p:cNvSpPr txBox="1">
+                <a:spLocks noRot="1" noChangeAspect="1" noMove="1" noResize="1" noEditPoints="1" noAdjustHandles="1" noChangeArrowheads="1" noChangeShapeType="1" noTextEdit="1"/>
+              </p:cNvSpPr>
+              <p:nvPr/>
+            </p:nvSpPr>
+            <p:spPr>
+              <a:xfrm>
+                <a:off x="1282590" y="3940618"/>
+                <a:ext cx="458138" cy="626646"/>
+              </a:xfrm>
+              <a:prstGeom prst="rect">
+                <a:avLst/>
+              </a:prstGeom>
+              <a:blipFill>
+                <a:blip r:embed="rId6"/>
+                <a:stretch>
+                  <a:fillRect l="-24324" t="-9804" r="-18919" b="-3922"/>
+                </a:stretch>
+              </a:blipFill>
+            </p:spPr>
+            <p:txBody>
+              <a:bodyPr/>
+              <a:lstStyle/>
+              <a:p>
+                <a:r>
+                  <a:rPr lang="ja-JP" altLang="en-US">
+                    <a:noFill/>
+                  </a:rPr>
+                  <a:t> </a:t>
+                </a:r>
+              </a:p>
+            </p:txBody>
+          </p:sp>
+        </mc:Fallback>
+      </mc:AlternateContent>
+      <p:sp>
+        <p:nvSpPr>
+          <p:cNvPr id="25" name="テキスト ボックス 24"/>
+          <p:cNvSpPr txBox="1"/>
+          <p:nvPr/>
+        </p:nvSpPr>
+        <p:spPr>
+          <a:xfrm>
+            <a:off x="2627784" y="3957059"/>
+            <a:ext cx="389850" cy="584775"/>
+          </a:xfrm>
+          <a:prstGeom prst="rect">
+            <a:avLst/>
+          </a:prstGeom>
+          <a:noFill/>
+        </p:spPr>
+        <p:txBody>
+          <a:bodyPr wrap="none" rtlCol="0">
+            <a:spAutoFit/>
+          </a:bodyPr>
+          <a:lstStyle/>
+          <a:p>
+            <a:r>
+              <a:rPr lang="en-US" altLang="ja-JP" sz="3200" dirty="0"/>
+              <a:t>=</a:t>
+            </a:r>
+            <a:endParaRPr kumimoji="1" lang="ja-JP" altLang="en-US" sz="3200" dirty="0"/>
+          </a:p>
+        </p:txBody>
+      </p:sp>
+      <p:sp>
+        <p:nvSpPr>
+          <p:cNvPr id="35" name="テキスト ボックス 34"/>
+          <p:cNvSpPr txBox="1"/>
+          <p:nvPr/>
+        </p:nvSpPr>
+        <p:spPr>
+          <a:xfrm>
+            <a:off x="4499992" y="1220634"/>
+            <a:ext cx="2492990" cy="369332"/>
+          </a:xfrm>
+          <a:prstGeom prst="rect">
+            <a:avLst/>
+          </a:prstGeom>
+          <a:noFill/>
+        </p:spPr>
+        <p:txBody>
+          <a:bodyPr wrap="none" rtlCol="0">
+            <a:spAutoFit/>
+          </a:bodyPr>
+          <a:lstStyle/>
+          <a:p>
+            <a:r>
+              <a:rPr kumimoji="1" lang="ja-JP" altLang="en-US" b="1" dirty="0">
+                <a:solidFill>
+                  <a:srgbClr val="FF0000"/>
+                </a:solidFill>
+              </a:rPr>
+              <a:t>ここ</a:t>
+            </a:r>
+            <a:r>
+              <a:rPr kumimoji="1" lang="ja-JP" altLang="en-US" dirty="0"/>
+              <a:t>だけ使って再構成</a:t>
+            </a:r>
+          </a:p>
+        </p:txBody>
+      </p:sp>
+      <p:sp>
+        <p:nvSpPr>
+          <p:cNvPr id="38" name="正方形/長方形 37">
+            <a:extLst>
+              <a:ext uri="{FF2B5EF4-FFF2-40B4-BE49-F238E27FC236}">
+                <a16:creationId xmlns:a16="http://schemas.microsoft.com/office/drawing/2014/main" id="{C2F44B91-E17F-D94B-8864-2C83DB5AE16B}"/>
+              </a:ext>
+            </a:extLst>
+          </p:cNvPr>
+          <p:cNvSpPr/>
+          <p:nvPr/>
+        </p:nvSpPr>
+        <p:spPr>
+          <a:xfrm>
+            <a:off x="7092280" y="1772816"/>
+            <a:ext cx="1658934" cy="245984"/>
+          </a:xfrm>
+          <a:prstGeom prst="rect">
+            <a:avLst/>
+          </a:prstGeom>
+          <a:solidFill>
+            <a:srgbClr val="0070C0"/>
+          </a:solidFill>
+          <a:ln>
+            <a:solidFill>
+              <a:schemeClr val="tx1"/>
+            </a:solidFill>
+          </a:ln>
+        </p:spPr>
+        <p:style>
+          <a:lnRef idx="2">
+            <a:schemeClr val="accent1">
+              <a:shade val="50000"/>
+            </a:schemeClr>
+          </a:lnRef>
+          <a:fillRef idx="1">
+            <a:schemeClr val="accent1"/>
+          </a:fillRef>
+          <a:effectRef idx="0">
+            <a:schemeClr val="accent1"/>
+          </a:effectRef>
+          <a:fontRef idx="minor">
+            <a:schemeClr val="lt1"/>
+          </a:fontRef>
+        </p:style>
+        <p:txBody>
+          <a:bodyPr rtlCol="0" anchor="ctr"/>
+          <a:lstStyle/>
+          <a:p>
+            <a:pPr algn="ctr"/>
+            <a:endParaRPr kumimoji="1" lang="ja-JP" altLang="en-US"/>
+          </a:p>
+        </p:txBody>
+      </p:sp>
+      <p:sp>
+        <p:nvSpPr>
+          <p:cNvPr id="40" name="正方形/長方形 39">
+            <a:extLst>
+              <a:ext uri="{FF2B5EF4-FFF2-40B4-BE49-F238E27FC236}">
+                <a16:creationId xmlns:a16="http://schemas.microsoft.com/office/drawing/2014/main" id="{DBCCC7D4-347F-A144-9A05-EB9501164C58}"/>
+              </a:ext>
+            </a:extLst>
+          </p:cNvPr>
+          <p:cNvSpPr/>
+          <p:nvPr/>
+        </p:nvSpPr>
+        <p:spPr>
+          <a:xfrm>
+            <a:off x="4788025" y="2060849"/>
+            <a:ext cx="216024" cy="216024"/>
+          </a:xfrm>
+          <a:prstGeom prst="rect">
+            <a:avLst/>
+          </a:prstGeom>
+          <a:solidFill>
+            <a:srgbClr val="00B050"/>
+          </a:solidFill>
+          <a:ln>
+            <a:solidFill>
+              <a:schemeClr val="tx1"/>
+            </a:solidFill>
+          </a:ln>
+        </p:spPr>
+        <p:style>
+          <a:lnRef idx="2">
+            <a:schemeClr val="accent1">
+              <a:shade val="50000"/>
+            </a:schemeClr>
+          </a:lnRef>
+          <a:fillRef idx="1">
+            <a:schemeClr val="accent1"/>
+          </a:fillRef>
+          <a:effectRef idx="0">
+            <a:schemeClr val="accent1"/>
+          </a:effectRef>
+          <a:fontRef idx="minor">
+            <a:schemeClr val="lt1"/>
+          </a:fontRef>
+        </p:style>
+        <p:txBody>
+          <a:bodyPr rtlCol="0" anchor="ctr"/>
+          <a:lstStyle/>
+          <a:p>
+            <a:pPr algn="ctr"/>
+            <a:endParaRPr kumimoji="1" lang="ja-JP" altLang="en-US"/>
+          </a:p>
+        </p:txBody>
+      </p:sp>
+      <p:sp>
+        <p:nvSpPr>
+          <p:cNvPr id="8" name="円/楕円 7">
+            <a:extLst>
+              <a:ext uri="{FF2B5EF4-FFF2-40B4-BE49-F238E27FC236}">
+                <a16:creationId xmlns:a16="http://schemas.microsoft.com/office/drawing/2014/main" id="{345EE92E-5053-B445-A87D-C6233B1DBAF3}"/>
+              </a:ext>
+            </a:extLst>
+          </p:cNvPr>
+          <p:cNvSpPr/>
+          <p:nvPr/>
+        </p:nvSpPr>
+        <p:spPr>
+          <a:xfrm>
+            <a:off x="4788024" y="1484784"/>
+            <a:ext cx="72008" cy="72008"/>
+          </a:xfrm>
+          <a:prstGeom prst="ellipse">
+            <a:avLst/>
+          </a:prstGeom>
+          <a:noFill/>
+          <a:ln>
+            <a:solidFill>
+              <a:schemeClr val="tx1"/>
+            </a:solidFill>
+          </a:ln>
+        </p:spPr>
+        <p:style>
+          <a:lnRef idx="2">
+            <a:schemeClr val="accent1">
+              <a:shade val="50000"/>
+            </a:schemeClr>
+          </a:lnRef>
+          <a:fillRef idx="1">
+            <a:schemeClr val="accent1"/>
+          </a:fillRef>
+          <a:effectRef idx="0">
+            <a:schemeClr val="accent1"/>
+          </a:effectRef>
+          <a:fontRef idx="minor">
+            <a:schemeClr val="lt1"/>
+          </a:fontRef>
+        </p:style>
+        <p:txBody>
+          <a:bodyPr rtlCol="0" anchor="ctr"/>
+          <a:lstStyle/>
+          <a:p>
+            <a:pPr algn="ctr"/>
+            <a:endParaRPr kumimoji="1" lang="ja-JP" altLang="en-US"/>
+          </a:p>
+        </p:txBody>
+      </p:sp>
+      <p:cxnSp>
+        <p:nvCxnSpPr>
+          <p:cNvPr id="27" name="カギ線コネクタ 26">
+            <a:extLst>
+              <a:ext uri="{FF2B5EF4-FFF2-40B4-BE49-F238E27FC236}">
+                <a16:creationId xmlns:a16="http://schemas.microsoft.com/office/drawing/2014/main" id="{D71F3334-AF9C-574A-B6FA-B8A4955CAC01}"/>
+              </a:ext>
+            </a:extLst>
+          </p:cNvPr>
+          <p:cNvCxnSpPr>
+            <a:cxnSpLocks/>
+            <a:stCxn id="8" idx="4"/>
+            <a:endCxn id="36" idx="0"/>
+          </p:cNvCxnSpPr>
+          <p:nvPr/>
+        </p:nvCxnSpPr>
+        <p:spPr>
+          <a:xfrm rot="5400000">
+            <a:off x="3887925" y="1124745"/>
+            <a:ext cx="504057" cy="1368151"/>
+          </a:xfrm>
+          <a:prstGeom prst="bentConnector3">
+            <a:avLst/>
+          </a:prstGeom>
+          <a:ln w="12700">
+            <a:solidFill>
+              <a:schemeClr val="tx1"/>
+            </a:solidFill>
+            <a:tailEnd type="triangle"/>
+          </a:ln>
+        </p:spPr>
+        <p:style>
+          <a:lnRef idx="1">
+            <a:schemeClr val="accent1"/>
+          </a:lnRef>
+          <a:fillRef idx="0">
+            <a:schemeClr val="accent1"/>
+          </a:fillRef>
+          <a:effectRef idx="0">
+            <a:schemeClr val="accent1"/>
+          </a:effectRef>
+          <a:fontRef idx="minor">
+            <a:schemeClr val="tx1"/>
+          </a:fontRef>
+        </p:style>
+      </p:cxnSp>
+      <p:cxnSp>
+        <p:nvCxnSpPr>
+          <p:cNvPr id="41" name="カギ線コネクタ 40">
+            <a:extLst>
+              <a:ext uri="{FF2B5EF4-FFF2-40B4-BE49-F238E27FC236}">
+                <a16:creationId xmlns:a16="http://schemas.microsoft.com/office/drawing/2014/main" id="{75AFF7CB-21FC-544A-84D8-8F50A138D57C}"/>
+              </a:ext>
+            </a:extLst>
+          </p:cNvPr>
+          <p:cNvCxnSpPr>
+            <a:cxnSpLocks/>
+            <a:stCxn id="8" idx="4"/>
+            <a:endCxn id="40" idx="0"/>
+          </p:cNvCxnSpPr>
+          <p:nvPr/>
+        </p:nvCxnSpPr>
+        <p:spPr>
+          <a:xfrm rot="16200000" flipH="1">
+            <a:off x="4608004" y="1772815"/>
+            <a:ext cx="504057" cy="72009"/>
+          </a:xfrm>
+          <a:prstGeom prst="bentConnector3">
+            <a:avLst/>
+          </a:prstGeom>
+          <a:ln w="12700">
+            <a:solidFill>
+              <a:schemeClr val="tx1"/>
+            </a:solidFill>
+            <a:tailEnd type="triangle"/>
+          </a:ln>
+        </p:spPr>
+        <p:style>
+          <a:lnRef idx="1">
+            <a:schemeClr val="accent1"/>
+          </a:lnRef>
+          <a:fillRef idx="0">
+            <a:schemeClr val="accent1"/>
+          </a:fillRef>
+          <a:effectRef idx="0">
+            <a:schemeClr val="accent1"/>
+          </a:effectRef>
+          <a:fontRef idx="minor">
+            <a:schemeClr val="tx1"/>
+          </a:fontRef>
+        </p:style>
+      </p:cxnSp>
+      <p:cxnSp>
+        <p:nvCxnSpPr>
+          <p:cNvPr id="43" name="カギ線コネクタ 42">
+            <a:extLst>
+              <a:ext uri="{FF2B5EF4-FFF2-40B4-BE49-F238E27FC236}">
+                <a16:creationId xmlns:a16="http://schemas.microsoft.com/office/drawing/2014/main" id="{994CBB96-7522-9E4E-BFD3-F79DFD5C029C}"/>
+              </a:ext>
+            </a:extLst>
+          </p:cNvPr>
+          <p:cNvCxnSpPr>
+            <a:cxnSpLocks/>
+            <a:stCxn id="8" idx="4"/>
+            <a:endCxn id="38" idx="0"/>
+          </p:cNvCxnSpPr>
+          <p:nvPr/>
+        </p:nvCxnSpPr>
+        <p:spPr>
+          <a:xfrm rot="16200000" flipH="1">
+            <a:off x="6264875" y="115944"/>
+            <a:ext cx="216024" cy="3097719"/>
+          </a:xfrm>
+          <a:prstGeom prst="bentConnector3">
+            <a:avLst>
+              <a:gd name="adj1" fmla="val 50000"/>
+            </a:avLst>
+          </a:prstGeom>
+          <a:ln w="12700">
+            <a:solidFill>
+              <a:schemeClr val="tx1"/>
+            </a:solidFill>
+            <a:tailEnd type="triangle"/>
+          </a:ln>
+        </p:spPr>
+        <p:style>
+          <a:lnRef idx="1">
+            <a:schemeClr val="accent1"/>
+          </a:lnRef>
+          <a:fillRef idx="0">
+            <a:schemeClr val="accent1"/>
+          </a:fillRef>
+          <a:effectRef idx="0">
+            <a:schemeClr val="accent1"/>
+          </a:effectRef>
+          <a:fontRef idx="minor">
+            <a:schemeClr val="tx1"/>
+          </a:fontRef>
+        </p:style>
+      </p:cxnSp>
+      <p:sp>
+        <p:nvSpPr>
+          <p:cNvPr id="47" name="正方形/長方形 46">
+            <a:extLst>
+              <a:ext uri="{FF2B5EF4-FFF2-40B4-BE49-F238E27FC236}">
+                <a16:creationId xmlns:a16="http://schemas.microsoft.com/office/drawing/2014/main" id="{040760B5-1A7C-AF48-BF44-355AA34D326D}"/>
+              </a:ext>
+            </a:extLst>
+          </p:cNvPr>
+          <p:cNvSpPr/>
+          <p:nvPr/>
+        </p:nvSpPr>
+        <p:spPr>
+          <a:xfrm>
+            <a:off x="3347864" y="3861048"/>
+            <a:ext cx="216024" cy="1080120"/>
+          </a:xfrm>
+          <a:prstGeom prst="rect">
+            <a:avLst/>
+          </a:prstGeom>
+          <a:solidFill>
+            <a:srgbClr val="FF0000"/>
+          </a:solidFill>
+          <a:ln>
+            <a:solidFill>
+              <a:schemeClr val="tx1"/>
+            </a:solidFill>
+          </a:ln>
+        </p:spPr>
+        <p:style>
+          <a:lnRef idx="2">
+            <a:schemeClr val="accent1">
+              <a:shade val="50000"/>
+            </a:schemeClr>
+          </a:lnRef>
+          <a:fillRef idx="1">
+            <a:schemeClr val="accent1"/>
+          </a:fillRef>
+          <a:effectRef idx="0">
+            <a:schemeClr val="accent1"/>
+          </a:effectRef>
+          <a:fontRef idx="minor">
+            <a:schemeClr val="lt1"/>
+          </a:fontRef>
+        </p:style>
+        <p:txBody>
+          <a:bodyPr rtlCol="0" anchor="ctr"/>
+          <a:lstStyle/>
+          <a:p>
+            <a:pPr algn="ctr"/>
+            <a:endParaRPr kumimoji="1" lang="ja-JP" altLang="en-US"/>
+          </a:p>
+        </p:txBody>
+      </p:sp>
+      <p:sp>
+        <p:nvSpPr>
+          <p:cNvPr id="48" name="正方形/長方形 47">
+            <a:extLst>
+              <a:ext uri="{FF2B5EF4-FFF2-40B4-BE49-F238E27FC236}">
+                <a16:creationId xmlns:a16="http://schemas.microsoft.com/office/drawing/2014/main" id="{AF7EFC5F-507D-3A43-A15F-810CA433EBAF}"/>
+              </a:ext>
+            </a:extLst>
+          </p:cNvPr>
+          <p:cNvSpPr/>
+          <p:nvPr/>
+        </p:nvSpPr>
+        <p:spPr>
+          <a:xfrm>
+            <a:off x="4283968" y="4293096"/>
+            <a:ext cx="216024" cy="216024"/>
+          </a:xfrm>
+          <a:prstGeom prst="rect">
+            <a:avLst/>
+          </a:prstGeom>
+          <a:solidFill>
+            <a:schemeClr val="accent6">
+              <a:lumMod val="40000"/>
+              <a:lumOff val="60000"/>
+            </a:schemeClr>
+          </a:solidFill>
+          <a:ln>
+            <a:solidFill>
+              <a:schemeClr val="tx1"/>
+            </a:solidFill>
+          </a:ln>
+        </p:spPr>
+        <p:style>
+          <a:lnRef idx="2">
+            <a:schemeClr val="accent1">
+              <a:shade val="50000"/>
+            </a:schemeClr>
+          </a:lnRef>
+          <a:fillRef idx="1">
+            <a:schemeClr val="accent1"/>
+          </a:fillRef>
+          <a:effectRef idx="0">
+            <a:schemeClr val="accent1"/>
+          </a:effectRef>
+          <a:fontRef idx="minor">
+            <a:schemeClr val="lt1"/>
+          </a:fontRef>
+        </p:style>
+        <p:txBody>
+          <a:bodyPr rtlCol="0" anchor="ctr"/>
+          <a:lstStyle/>
+          <a:p>
+            <a:pPr algn="ctr"/>
+            <a:endParaRPr kumimoji="1" lang="ja-JP" altLang="en-US"/>
+          </a:p>
+        </p:txBody>
+      </p:sp>
+      <p:sp>
+        <p:nvSpPr>
+          <p:cNvPr id="49" name="テキスト ボックス 48">
+            <a:extLst>
+              <a:ext uri="{FF2B5EF4-FFF2-40B4-BE49-F238E27FC236}">
+                <a16:creationId xmlns:a16="http://schemas.microsoft.com/office/drawing/2014/main" id="{51C3E21C-0A47-A14A-9951-38C0863DCA69}"/>
+              </a:ext>
+            </a:extLst>
+          </p:cNvPr>
+          <p:cNvSpPr txBox="1"/>
+          <p:nvPr/>
+        </p:nvSpPr>
+        <p:spPr>
+          <a:xfrm>
+            <a:off x="3635896" y="4077072"/>
+            <a:ext cx="362600" cy="584775"/>
+          </a:xfrm>
+          <a:prstGeom prst="rect">
+            <a:avLst/>
+          </a:prstGeom>
+          <a:noFill/>
+        </p:spPr>
+        <p:txBody>
+          <a:bodyPr wrap="none" rtlCol="0">
+            <a:spAutoFit/>
+          </a:bodyPr>
+          <a:lstStyle/>
+          <a:p>
+            <a:r>
+              <a:rPr kumimoji="1" lang="en-US" altLang="ja-JP" sz="3200" dirty="0"/>
+              <a:t>x</a:t>
+            </a:r>
+            <a:endParaRPr kumimoji="1" lang="ja-JP" altLang="en-US" sz="3200" dirty="0"/>
+          </a:p>
+        </p:txBody>
+      </p:sp>
+      <mc:AlternateContent xmlns:mc="http://schemas.openxmlformats.org/markup-compatibility/2006">
+        <mc:Choice xmlns:a14="http://schemas.microsoft.com/office/drawing/2010/main" Requires="a14">
+          <p:sp>
+            <p:nvSpPr>
+              <p:cNvPr id="51" name="テキスト ボックス 50">
+                <a:extLst>
+                  <a:ext uri="{FF2B5EF4-FFF2-40B4-BE49-F238E27FC236}">
+                    <a16:creationId xmlns:a16="http://schemas.microsoft.com/office/drawing/2014/main" id="{D86FAC70-EB0A-804A-895F-0BAF484B0DE7}"/>
+                  </a:ext>
+                </a:extLst>
+              </p:cNvPr>
+              <p:cNvSpPr txBox="1"/>
+              <p:nvPr/>
+            </p:nvSpPr>
+            <p:spPr>
+              <a:xfrm>
+                <a:off x="3923928" y="4005064"/>
+                <a:ext cx="745232" cy="560731"/>
+              </a:xfrm>
+              <a:prstGeom prst="rect">
+                <a:avLst/>
+              </a:prstGeom>
+              <a:noFill/>
+            </p:spPr>
+            <p:txBody>
+              <a:bodyPr wrap="square" lIns="0" tIns="0" rIns="0" bIns="0" rtlCol="0">
+                <a:spAutoFit/>
+              </a:bodyPr>
+              <a:lstStyle/>
+              <a:p>
+                <a14:m>
+                  <m:oMathPara xmlns:m="http://schemas.openxmlformats.org/officeDocument/2006/math">
+                    <m:oMathParaPr>
+                      <m:jc m:val="centerGroup"/>
+                    </m:oMathParaPr>
+                    <m:oMath xmlns:m="http://schemas.openxmlformats.org/officeDocument/2006/math">
+                      <m:rad>
+                        <m:radPr>
+                          <m:degHide m:val="on"/>
+                          <m:ctrlPr>
+                            <a:rPr kumimoji="1" lang="ja-JP" altLang="en-US" sz="3200" i="1">
+                              <a:latin typeface="Cambria Math" panose="02040503050406030204" pitchFamily="18" charset="0"/>
+                            </a:rPr>
+                          </m:ctrlPr>
+                        </m:radPr>
+                        <m:deg/>
+                        <m:e>
+                          <m:r>
+                            <a:rPr kumimoji="1" lang="en-US" altLang="ja-JP" sz="3200" b="0" i="1">
+                              <a:latin typeface="Cambria Math" panose="02040503050406030204" pitchFamily="18" charset="0"/>
+                            </a:rPr>
+                            <m:t>    </m:t>
+                          </m:r>
+                        </m:e>
+                      </m:rad>
+                    </m:oMath>
+                  </m:oMathPara>
+                </a14:m>
+                <a:endParaRPr kumimoji="1" lang="ja-JP" altLang="en-US" sz="3200"/>
+              </a:p>
+            </p:txBody>
+          </p:sp>
+        </mc:Choice>
+        <mc:Fallback>
+          <p:sp>
+            <p:nvSpPr>
+              <p:cNvPr id="51" name="テキスト ボックス 50">
+                <a:extLst>
+                  <a:ext uri="{FF2B5EF4-FFF2-40B4-BE49-F238E27FC236}">
+                    <a16:creationId xmlns:a16="http://schemas.microsoft.com/office/drawing/2014/main" id="{D86FAC70-EB0A-804A-895F-0BAF484B0DE7}"/>
+                  </a:ext>
+                </a:extLst>
+              </p:cNvPr>
+              <p:cNvSpPr txBox="1">
+                <a:spLocks noRot="1" noChangeAspect="1" noMove="1" noResize="1" noEditPoints="1" noAdjustHandles="1" noChangeArrowheads="1" noChangeShapeType="1" noTextEdit="1"/>
+              </p:cNvSpPr>
+              <p:nvPr/>
+            </p:nvSpPr>
+            <p:spPr>
+              <a:xfrm>
+                <a:off x="3923928" y="4005064"/>
+                <a:ext cx="745232" cy="560731"/>
+              </a:xfrm>
+              <a:prstGeom prst="rect">
+                <a:avLst/>
+              </a:prstGeom>
+              <a:blipFill>
+                <a:blip r:embed="rId7"/>
+                <a:stretch>
+                  <a:fillRect t="-4348" r="-18333" b="-17391"/>
+                </a:stretch>
+              </a:blipFill>
+            </p:spPr>
+            <p:txBody>
+              <a:bodyPr/>
+              <a:lstStyle/>
+              <a:p>
+                <a:r>
+                  <a:rPr lang="ja-JP" altLang="en-US">
+                    <a:noFill/>
+                  </a:rPr>
+                  <a:t> </a:t>
+                </a:r>
+              </a:p>
+            </p:txBody>
+          </p:sp>
+        </mc:Fallback>
+      </mc:AlternateContent>
+      <p:sp>
+        <p:nvSpPr>
+          <p:cNvPr id="52" name="正方形/長方形 51">
+            <a:extLst>
+              <a:ext uri="{FF2B5EF4-FFF2-40B4-BE49-F238E27FC236}">
+                <a16:creationId xmlns:a16="http://schemas.microsoft.com/office/drawing/2014/main" id="{8D3B70E1-89C8-EA43-AA52-3DA4A2DB7095}"/>
+              </a:ext>
+            </a:extLst>
+          </p:cNvPr>
+          <p:cNvSpPr/>
+          <p:nvPr/>
+        </p:nvSpPr>
+        <p:spPr>
+          <a:xfrm>
+            <a:off x="5220072" y="4293096"/>
+            <a:ext cx="216024" cy="216024"/>
+          </a:xfrm>
+          <a:prstGeom prst="rect">
+            <a:avLst/>
+          </a:prstGeom>
+          <a:solidFill>
+            <a:schemeClr val="accent6">
+              <a:lumMod val="40000"/>
+              <a:lumOff val="60000"/>
+            </a:schemeClr>
+          </a:solidFill>
+          <a:ln>
+            <a:solidFill>
+              <a:schemeClr val="tx1"/>
+            </a:solidFill>
+          </a:ln>
+        </p:spPr>
+        <p:style>
+          <a:lnRef idx="2">
+            <a:schemeClr val="accent1">
+              <a:shade val="50000"/>
+            </a:schemeClr>
+          </a:lnRef>
+          <a:fillRef idx="1">
+            <a:schemeClr val="accent1"/>
+          </a:fillRef>
+          <a:effectRef idx="0">
+            <a:schemeClr val="accent1"/>
+          </a:effectRef>
+          <a:fontRef idx="minor">
+            <a:schemeClr val="lt1"/>
+          </a:fontRef>
+        </p:style>
+        <p:txBody>
+          <a:bodyPr rtlCol="0" anchor="ctr"/>
+          <a:lstStyle/>
+          <a:p>
+            <a:pPr algn="ctr"/>
+            <a:endParaRPr kumimoji="1" lang="ja-JP" altLang="en-US"/>
+          </a:p>
+        </p:txBody>
+      </p:sp>
+      <p:sp>
+        <p:nvSpPr>
+          <p:cNvPr id="53" name="テキスト ボックス 52">
+            <a:extLst>
+              <a:ext uri="{FF2B5EF4-FFF2-40B4-BE49-F238E27FC236}">
+                <a16:creationId xmlns:a16="http://schemas.microsoft.com/office/drawing/2014/main" id="{EAAAF0BF-F5ED-8E4E-BF01-F1F7F01DDC2C}"/>
+              </a:ext>
+            </a:extLst>
+          </p:cNvPr>
+          <p:cNvSpPr txBox="1"/>
+          <p:nvPr/>
+        </p:nvSpPr>
+        <p:spPr>
+          <a:xfrm>
+            <a:off x="4572000" y="4077072"/>
+            <a:ext cx="362600" cy="584775"/>
+          </a:xfrm>
+          <a:prstGeom prst="rect">
+            <a:avLst/>
+          </a:prstGeom>
+          <a:noFill/>
+        </p:spPr>
+        <p:txBody>
+          <a:bodyPr wrap="none" rtlCol="0">
+            <a:spAutoFit/>
+          </a:bodyPr>
+          <a:lstStyle/>
+          <a:p>
+            <a:r>
+              <a:rPr kumimoji="1" lang="en-US" altLang="ja-JP" sz="3200" dirty="0"/>
+              <a:t>x</a:t>
+            </a:r>
+            <a:endParaRPr kumimoji="1" lang="ja-JP" altLang="en-US" sz="3200" dirty="0"/>
+          </a:p>
+        </p:txBody>
+      </p:sp>
+      <mc:AlternateContent xmlns:mc="http://schemas.openxmlformats.org/markup-compatibility/2006">
+        <mc:Choice xmlns:a14="http://schemas.microsoft.com/office/drawing/2010/main" Requires="a14">
+          <p:sp>
+            <p:nvSpPr>
+              <p:cNvPr id="54" name="テキスト ボックス 53">
+                <a:extLst>
+                  <a:ext uri="{FF2B5EF4-FFF2-40B4-BE49-F238E27FC236}">
+                    <a16:creationId xmlns:a16="http://schemas.microsoft.com/office/drawing/2014/main" id="{DE3B839C-7C29-2A45-86D9-6C04D8249812}"/>
+                  </a:ext>
+                </a:extLst>
+              </p:cNvPr>
+              <p:cNvSpPr txBox="1"/>
+              <p:nvPr/>
+            </p:nvSpPr>
+            <p:spPr>
+              <a:xfrm>
+                <a:off x="4860032" y="4005064"/>
+                <a:ext cx="745232" cy="560731"/>
+              </a:xfrm>
+              <a:prstGeom prst="rect">
+                <a:avLst/>
+              </a:prstGeom>
+              <a:noFill/>
+            </p:spPr>
+            <p:txBody>
+              <a:bodyPr wrap="square" lIns="0" tIns="0" rIns="0" bIns="0" rtlCol="0">
+                <a:spAutoFit/>
+              </a:bodyPr>
+              <a:lstStyle/>
+              <a:p>
+                <a14:m>
+                  <m:oMathPara xmlns:m="http://schemas.openxmlformats.org/officeDocument/2006/math">
+                    <m:oMathParaPr>
+                      <m:jc m:val="centerGroup"/>
+                    </m:oMathParaPr>
+                    <m:oMath xmlns:m="http://schemas.openxmlformats.org/officeDocument/2006/math">
+                      <m:rad>
+                        <m:radPr>
+                          <m:degHide m:val="on"/>
+                          <m:ctrlPr>
+                            <a:rPr kumimoji="1" lang="ja-JP" altLang="en-US" sz="3200" i="1">
+                              <a:latin typeface="Cambria Math" panose="02040503050406030204" pitchFamily="18" charset="0"/>
+                            </a:rPr>
+                          </m:ctrlPr>
+                        </m:radPr>
+                        <m:deg/>
+                        <m:e>
+                          <m:r>
+                            <a:rPr kumimoji="1" lang="en-US" altLang="ja-JP" sz="3200" b="0" i="1">
+                              <a:latin typeface="Cambria Math" panose="02040503050406030204" pitchFamily="18" charset="0"/>
+                            </a:rPr>
+                            <m:t>    </m:t>
+                          </m:r>
+                        </m:e>
+                      </m:rad>
+                    </m:oMath>
+                  </m:oMathPara>
+                </a14:m>
+                <a:endParaRPr kumimoji="1" lang="ja-JP" altLang="en-US" sz="3200"/>
+              </a:p>
+            </p:txBody>
+          </p:sp>
+        </mc:Choice>
+        <mc:Fallback>
+          <p:sp>
+            <p:nvSpPr>
+              <p:cNvPr id="54" name="テキスト ボックス 53">
+                <a:extLst>
+                  <a:ext uri="{FF2B5EF4-FFF2-40B4-BE49-F238E27FC236}">
+                    <a16:creationId xmlns:a16="http://schemas.microsoft.com/office/drawing/2014/main" id="{DE3B839C-7C29-2A45-86D9-6C04D8249812}"/>
+                  </a:ext>
+                </a:extLst>
+              </p:cNvPr>
+              <p:cNvSpPr txBox="1">
+                <a:spLocks noRot="1" noChangeAspect="1" noMove="1" noResize="1" noEditPoints="1" noAdjustHandles="1" noChangeArrowheads="1" noChangeShapeType="1" noTextEdit="1"/>
+              </p:cNvSpPr>
+              <p:nvPr/>
+            </p:nvSpPr>
+            <p:spPr>
+              <a:xfrm>
+                <a:off x="4860032" y="4005064"/>
+                <a:ext cx="745232" cy="560731"/>
+              </a:xfrm>
+              <a:prstGeom prst="rect">
+                <a:avLst/>
+              </a:prstGeom>
+              <a:blipFill>
+                <a:blip r:embed="rId8"/>
+                <a:stretch>
+                  <a:fillRect t="-4348" r="-18644" b="-17391"/>
+                </a:stretch>
+              </a:blipFill>
+            </p:spPr>
+            <p:txBody>
+              <a:bodyPr/>
+              <a:lstStyle/>
+              <a:p>
+                <a:r>
+                  <a:rPr lang="ja-JP" altLang="en-US">
+                    <a:noFill/>
+                  </a:rPr>
+                  <a:t> </a:t>
+                </a:r>
+              </a:p>
+            </p:txBody>
+          </p:sp>
+        </mc:Fallback>
+      </mc:AlternateContent>
+      <p:sp>
+        <p:nvSpPr>
+          <p:cNvPr id="55" name="正方形/長方形 54">
+            <a:extLst>
+              <a:ext uri="{FF2B5EF4-FFF2-40B4-BE49-F238E27FC236}">
+                <a16:creationId xmlns:a16="http://schemas.microsoft.com/office/drawing/2014/main" id="{590BDA80-110B-D64B-8E1A-3F974748871D}"/>
+              </a:ext>
+            </a:extLst>
+          </p:cNvPr>
+          <p:cNvSpPr/>
+          <p:nvPr/>
+        </p:nvSpPr>
+        <p:spPr>
+          <a:xfrm>
+            <a:off x="6012160" y="4263136"/>
+            <a:ext cx="1658934" cy="245984"/>
+          </a:xfrm>
+          <a:prstGeom prst="rect">
+            <a:avLst/>
+          </a:prstGeom>
+          <a:solidFill>
+            <a:srgbClr val="0070C0"/>
+          </a:solidFill>
+          <a:ln>
+            <a:solidFill>
+              <a:schemeClr val="tx1"/>
+            </a:solidFill>
+          </a:ln>
+        </p:spPr>
+        <p:style>
+          <a:lnRef idx="2">
+            <a:schemeClr val="accent1">
+              <a:shade val="50000"/>
+            </a:schemeClr>
+          </a:lnRef>
+          <a:fillRef idx="1">
+            <a:schemeClr val="accent1"/>
+          </a:fillRef>
+          <a:effectRef idx="0">
+            <a:schemeClr val="accent1"/>
+          </a:effectRef>
+          <a:fontRef idx="minor">
+            <a:schemeClr val="lt1"/>
+          </a:fontRef>
+        </p:style>
+        <p:txBody>
+          <a:bodyPr rtlCol="0" anchor="ctr"/>
+          <a:lstStyle/>
+          <a:p>
+            <a:pPr algn="ctr"/>
+            <a:endParaRPr kumimoji="1" lang="ja-JP" altLang="en-US"/>
+          </a:p>
+        </p:txBody>
+      </p:sp>
+      <p:sp>
+        <p:nvSpPr>
+          <p:cNvPr id="56" name="テキスト ボックス 55">
+            <a:extLst>
+              <a:ext uri="{FF2B5EF4-FFF2-40B4-BE49-F238E27FC236}">
+                <a16:creationId xmlns:a16="http://schemas.microsoft.com/office/drawing/2014/main" id="{6A8B8348-8E98-2649-AFA0-787EF698C8D4}"/>
+              </a:ext>
+            </a:extLst>
+          </p:cNvPr>
+          <p:cNvSpPr txBox="1"/>
+          <p:nvPr/>
+        </p:nvSpPr>
+        <p:spPr>
+          <a:xfrm>
+            <a:off x="5508104" y="4077072"/>
+            <a:ext cx="362600" cy="584775"/>
+          </a:xfrm>
+          <a:prstGeom prst="rect">
+            <a:avLst/>
+          </a:prstGeom>
+          <a:noFill/>
+        </p:spPr>
+        <p:txBody>
+          <a:bodyPr wrap="none" rtlCol="0">
+            <a:spAutoFit/>
+          </a:bodyPr>
+          <a:lstStyle/>
+          <a:p>
+            <a:r>
+              <a:rPr kumimoji="1" lang="en-US" altLang="ja-JP" sz="3200" dirty="0"/>
+              <a:t>x</a:t>
+            </a:r>
+            <a:endParaRPr kumimoji="1" lang="ja-JP" altLang="en-US" sz="3200" dirty="0"/>
+          </a:p>
+        </p:txBody>
+      </p:sp>
+      <p:sp>
+        <p:nvSpPr>
+          <p:cNvPr id="57" name="テキスト ボックス 56">
+            <a:extLst>
+              <a:ext uri="{FF2B5EF4-FFF2-40B4-BE49-F238E27FC236}">
+                <a16:creationId xmlns:a16="http://schemas.microsoft.com/office/drawing/2014/main" id="{BD3670B8-C1EC-0B4A-B2CC-9523ED2A824C}"/>
+              </a:ext>
+            </a:extLst>
+          </p:cNvPr>
+          <p:cNvSpPr txBox="1"/>
+          <p:nvPr/>
+        </p:nvSpPr>
+        <p:spPr>
+          <a:xfrm>
+            <a:off x="2627784" y="5373216"/>
+            <a:ext cx="389850" cy="584775"/>
+          </a:xfrm>
+          <a:prstGeom prst="rect">
+            <a:avLst/>
+          </a:prstGeom>
+          <a:noFill/>
+        </p:spPr>
+        <p:txBody>
+          <a:bodyPr wrap="none" rtlCol="0">
+            <a:spAutoFit/>
+          </a:bodyPr>
+          <a:lstStyle/>
+          <a:p>
+            <a:r>
+              <a:rPr lang="en-US" altLang="ja-JP" sz="3200" dirty="0"/>
+              <a:t>=</a:t>
+            </a:r>
+            <a:endParaRPr kumimoji="1" lang="ja-JP" altLang="en-US" sz="3200" dirty="0"/>
+          </a:p>
+        </p:txBody>
+      </p:sp>
+      <p:sp>
+        <p:nvSpPr>
+          <p:cNvPr id="58" name="正方形/長方形 57">
+            <a:extLst>
+              <a:ext uri="{FF2B5EF4-FFF2-40B4-BE49-F238E27FC236}">
+                <a16:creationId xmlns:a16="http://schemas.microsoft.com/office/drawing/2014/main" id="{28F5EBFA-C982-624E-A22F-C0763246291E}"/>
+              </a:ext>
+            </a:extLst>
+          </p:cNvPr>
+          <p:cNvSpPr/>
+          <p:nvPr/>
+        </p:nvSpPr>
+        <p:spPr>
+          <a:xfrm>
+            <a:off x="3851920" y="5301208"/>
+            <a:ext cx="216024" cy="1080120"/>
+          </a:xfrm>
+          <a:prstGeom prst="rect">
+            <a:avLst/>
+          </a:prstGeom>
+          <a:solidFill>
+            <a:schemeClr val="accent2">
+              <a:lumMod val="40000"/>
+              <a:lumOff val="60000"/>
+            </a:schemeClr>
+          </a:solidFill>
+          <a:ln>
+            <a:solidFill>
+              <a:schemeClr val="tx1"/>
+            </a:solidFill>
+          </a:ln>
+        </p:spPr>
+        <p:style>
+          <a:lnRef idx="2">
+            <a:schemeClr val="accent1">
+              <a:shade val="50000"/>
+            </a:schemeClr>
+          </a:lnRef>
+          <a:fillRef idx="1">
+            <a:schemeClr val="accent1"/>
+          </a:fillRef>
+          <a:effectRef idx="0">
+            <a:schemeClr val="accent1"/>
+          </a:effectRef>
+          <a:fontRef idx="minor">
+            <a:schemeClr val="lt1"/>
+          </a:fontRef>
+        </p:style>
+        <p:txBody>
+          <a:bodyPr rtlCol="0" anchor="ctr"/>
+          <a:lstStyle/>
+          <a:p>
+            <a:pPr algn="ctr"/>
+            <a:endParaRPr kumimoji="1" lang="ja-JP" altLang="en-US"/>
+          </a:p>
+        </p:txBody>
+      </p:sp>
+      <p:sp>
+        <p:nvSpPr>
+          <p:cNvPr id="59" name="正方形/長方形 58">
+            <a:extLst>
+              <a:ext uri="{FF2B5EF4-FFF2-40B4-BE49-F238E27FC236}">
+                <a16:creationId xmlns:a16="http://schemas.microsoft.com/office/drawing/2014/main" id="{B4D068CD-39B7-C142-A87C-484193E94326}"/>
+              </a:ext>
+            </a:extLst>
+          </p:cNvPr>
+          <p:cNvSpPr/>
+          <p:nvPr/>
+        </p:nvSpPr>
+        <p:spPr>
+          <a:xfrm>
+            <a:off x="5436096" y="5661248"/>
+            <a:ext cx="1658934" cy="245984"/>
+          </a:xfrm>
+          <a:prstGeom prst="rect">
+            <a:avLst/>
+          </a:prstGeom>
+          <a:solidFill>
+            <a:schemeClr val="accent1">
+              <a:lumMod val="60000"/>
+              <a:lumOff val="40000"/>
+            </a:schemeClr>
+          </a:solidFill>
+          <a:ln>
+            <a:solidFill>
+              <a:schemeClr val="tx1"/>
+            </a:solidFill>
+          </a:ln>
+        </p:spPr>
+        <p:style>
+          <a:lnRef idx="2">
+            <a:schemeClr val="accent1">
+              <a:shade val="50000"/>
+            </a:schemeClr>
+          </a:lnRef>
+          <a:fillRef idx="1">
+            <a:schemeClr val="accent1"/>
+          </a:fillRef>
+          <a:effectRef idx="0">
+            <a:schemeClr val="accent1"/>
+          </a:effectRef>
+          <a:fontRef idx="minor">
+            <a:schemeClr val="lt1"/>
+          </a:fontRef>
+        </p:style>
+        <p:txBody>
+          <a:bodyPr rtlCol="0" anchor="ctr"/>
+          <a:lstStyle/>
+          <a:p>
+            <a:pPr algn="ctr"/>
+            <a:endParaRPr kumimoji="1" lang="ja-JP" altLang="en-US"/>
+          </a:p>
+        </p:txBody>
+      </p:sp>
+      <p:sp>
+        <p:nvSpPr>
+          <p:cNvPr id="60" name="テキスト ボックス 59">
+            <a:extLst>
+              <a:ext uri="{FF2B5EF4-FFF2-40B4-BE49-F238E27FC236}">
+                <a16:creationId xmlns:a16="http://schemas.microsoft.com/office/drawing/2014/main" id="{8E4BAB61-5E74-1E49-BC22-D92D8B6C5041}"/>
+              </a:ext>
+            </a:extLst>
+          </p:cNvPr>
+          <p:cNvSpPr txBox="1"/>
+          <p:nvPr/>
+        </p:nvSpPr>
+        <p:spPr>
+          <a:xfrm>
+            <a:off x="4572000" y="5445224"/>
+            <a:ext cx="362600" cy="584775"/>
+          </a:xfrm>
+          <a:prstGeom prst="rect">
+            <a:avLst/>
+          </a:prstGeom>
+          <a:noFill/>
+        </p:spPr>
+        <p:txBody>
+          <a:bodyPr wrap="none" rtlCol="0">
+            <a:spAutoFit/>
+          </a:bodyPr>
+          <a:lstStyle/>
+          <a:p>
+            <a:r>
+              <a:rPr kumimoji="1" lang="en-US" altLang="ja-JP" sz="3200" dirty="0"/>
+              <a:t>x</a:t>
+            </a:r>
+            <a:endParaRPr kumimoji="1" lang="ja-JP" altLang="en-US" sz="3200" dirty="0"/>
+          </a:p>
+        </p:txBody>
+      </p:sp>
+      <p:sp>
+        <p:nvSpPr>
+          <p:cNvPr id="61" name="右中かっこ 60">
+            <a:extLst>
+              <a:ext uri="{FF2B5EF4-FFF2-40B4-BE49-F238E27FC236}">
+                <a16:creationId xmlns:a16="http://schemas.microsoft.com/office/drawing/2014/main" id="{831A13DF-22B7-364A-9834-C0A471101064}"/>
+              </a:ext>
+            </a:extLst>
+          </p:cNvPr>
+          <p:cNvSpPr/>
+          <p:nvPr/>
+        </p:nvSpPr>
+        <p:spPr>
+          <a:xfrm rot="5400000">
+            <a:off x="3846204" y="4370820"/>
+            <a:ext cx="155448" cy="1440160"/>
+          </a:xfrm>
+          <a:prstGeom prst="rightBrace">
+            <a:avLst/>
+          </a:prstGeom>
+          <a:ln w="12700">
+            <a:solidFill>
+              <a:schemeClr val="tx1"/>
+            </a:solidFill>
+          </a:ln>
+        </p:spPr>
+        <p:style>
+          <a:lnRef idx="1">
+            <a:schemeClr val="accent1"/>
+          </a:lnRef>
+          <a:fillRef idx="0">
+            <a:schemeClr val="accent1"/>
+          </a:fillRef>
+          <a:effectRef idx="0">
+            <a:schemeClr val="accent1"/>
+          </a:effectRef>
+          <a:fontRef idx="minor">
+            <a:schemeClr val="tx1"/>
+          </a:fontRef>
+        </p:style>
+        <p:txBody>
+          <a:bodyPr rtlCol="0" anchor="ctr"/>
+          <a:lstStyle/>
+          <a:p>
+            <a:pPr algn="ctr"/>
+            <a:endParaRPr kumimoji="1" lang="ja-JP" altLang="en-US"/>
+          </a:p>
+        </p:txBody>
+      </p:sp>
+      <p:sp>
+        <p:nvSpPr>
+          <p:cNvPr id="62" name="右中かっこ 61">
+            <a:extLst>
+              <a:ext uri="{FF2B5EF4-FFF2-40B4-BE49-F238E27FC236}">
+                <a16:creationId xmlns:a16="http://schemas.microsoft.com/office/drawing/2014/main" id="{2B6521DD-0280-BF4F-8243-EE4AC3E3E7DD}"/>
+              </a:ext>
+            </a:extLst>
+          </p:cNvPr>
+          <p:cNvSpPr/>
+          <p:nvPr/>
+        </p:nvSpPr>
+        <p:spPr>
+          <a:xfrm rot="5400000">
+            <a:off x="6258472" y="3758752"/>
+            <a:ext cx="155448" cy="2664296"/>
+          </a:xfrm>
+          <a:prstGeom prst="rightBrace">
+            <a:avLst/>
+          </a:prstGeom>
+          <a:ln w="12700">
+            <a:solidFill>
+              <a:schemeClr val="tx1"/>
+            </a:solidFill>
+          </a:ln>
+        </p:spPr>
+        <p:style>
+          <a:lnRef idx="1">
+            <a:schemeClr val="accent1"/>
+          </a:lnRef>
+          <a:fillRef idx="0">
+            <a:schemeClr val="accent1"/>
+          </a:fillRef>
+          <a:effectRef idx="0">
+            <a:schemeClr val="accent1"/>
+          </a:effectRef>
+          <a:fontRef idx="minor">
+            <a:schemeClr val="tx1"/>
+          </a:fontRef>
+        </p:style>
+        <p:txBody>
+          <a:bodyPr rtlCol="0" anchor="ctr"/>
+          <a:lstStyle/>
+          <a:p>
+            <a:pPr algn="ctr"/>
+            <a:endParaRPr kumimoji="1" lang="ja-JP" altLang="en-US"/>
+          </a:p>
+        </p:txBody>
+      </p:sp>
+    </p:spTree>
+    <p:extLst>
+      <p:ext uri="{BB962C8B-B14F-4D97-AF65-F5344CB8AC3E}">
+        <p14:creationId xmlns:p14="http://schemas.microsoft.com/office/powerpoint/2010/main" val="2870047879"/>
+      </p:ext>
+    </p:extLst>
+  </p:cSld>
+  <p:clrMapOvr>
+    <a:masterClrMapping/>
+  </p:clrMapOvr>
+</p:sld>
+</file>
+
 <file path=ppt/theme/theme1.xml><?xml version="1.0" encoding="utf-8"?>
 <a:theme xmlns:a="http://schemas.openxmlformats.org/drawingml/2006/main" name="Office テーマ">
   <a:themeElements>
